--- a/Documentation/NicheMathGames.pptx
+++ b/Documentation/NicheMathGames.pptx
@@ -4,11 +4,16 @@
   <p:sldMasterIdLst>
     <p:sldMasterId id="2147483672" r:id="rId1"/>
   </p:sldMasterIdLst>
+  <p:notesMasterIdLst>
+    <p:notesMasterId r:id="rId8"/>
+  </p:notesMasterIdLst>
   <p:sldIdLst>
     <p:sldId id="256" r:id="rId2"/>
-    <p:sldId id="257" r:id="rId3"/>
-    <p:sldId id="258" r:id="rId4"/>
-    <p:sldId id="259" r:id="rId5"/>
+    <p:sldId id="262" r:id="rId3"/>
+    <p:sldId id="257" r:id="rId4"/>
+    <p:sldId id="260" r:id="rId5"/>
+    <p:sldId id="258" r:id="rId6"/>
+    <p:sldId id="259" r:id="rId7"/>
   </p:sldIdLst>
   <p:sldSz cx="12192000" cy="6858000"/>
   <p:notesSz cx="6858000" cy="9144000"/>
@@ -107,7 +112,445 @@
       </a:defRPr>
     </a:lvl9pPr>
   </p:defaultTextStyle>
+  <p:extLst>
+    <p:ext uri="{EFAFB233-063F-42B5-8137-9DF3F51BA10A}">
+      <p15:sldGuideLst xmlns:p15="http://schemas.microsoft.com/office/powerpoint/2012/main"/>
+    </p:ext>
+  </p:extLst>
 </p:presentation>
+</file>
+
+<file path=ppt/notesMasters/notesMaster1.xml><?xml version="1.0" encoding="utf-8"?>
+<p:notesMaster xmlns:a="http://schemas.openxmlformats.org/drawingml/2006/main" xmlns:r="http://schemas.openxmlformats.org/officeDocument/2006/relationships" xmlns:p="http://schemas.openxmlformats.org/presentationml/2006/main">
+  <p:cSld>
+    <p:bg>
+      <p:bgRef idx="1001">
+        <a:schemeClr val="bg1"/>
+      </p:bgRef>
+    </p:bg>
+    <p:spTree>
+      <p:nvGrpSpPr>
+        <p:cNvPr id="1" name=""/>
+        <p:cNvGrpSpPr/>
+        <p:nvPr/>
+      </p:nvGrpSpPr>
+      <p:grpSpPr>
+        <a:xfrm>
+          <a:off x="0" y="0"/>
+          <a:ext cx="0" cy="0"/>
+          <a:chOff x="0" y="0"/>
+          <a:chExt cx="0" cy="0"/>
+        </a:xfrm>
+      </p:grpSpPr>
+      <p:sp>
+        <p:nvSpPr>
+          <p:cNvPr id="2" name="Контейнер за горния колонтитул 1"/>
+          <p:cNvSpPr>
+            <a:spLocks noGrp="1"/>
+          </p:cNvSpPr>
+          <p:nvPr>
+            <p:ph type="hdr" sz="quarter"/>
+          </p:nvPr>
+        </p:nvSpPr>
+        <p:spPr>
+          <a:xfrm>
+            <a:off x="0" y="0"/>
+            <a:ext cx="2971800" cy="458788"/>
+          </a:xfrm>
+          <a:prstGeom prst="rect">
+            <a:avLst/>
+          </a:prstGeom>
+        </p:spPr>
+        <p:txBody>
+          <a:bodyPr vert="horz" lIns="91440" tIns="45720" rIns="91440" bIns="45720" rtlCol="0"/>
+          <a:lstStyle>
+            <a:lvl1pPr algn="l">
+              <a:defRPr sz="1200"/>
+            </a:lvl1pPr>
+          </a:lstStyle>
+          <a:p>
+            <a:endParaRPr lang="bg-BG"/>
+          </a:p>
+        </p:txBody>
+      </p:sp>
+      <p:sp>
+        <p:nvSpPr>
+          <p:cNvPr id="3" name="Контейнер за дата 2"/>
+          <p:cNvSpPr>
+            <a:spLocks noGrp="1"/>
+          </p:cNvSpPr>
+          <p:nvPr>
+            <p:ph type="dt" idx="1"/>
+          </p:nvPr>
+        </p:nvSpPr>
+        <p:spPr>
+          <a:xfrm>
+            <a:off x="3884613" y="0"/>
+            <a:ext cx="2971800" cy="458788"/>
+          </a:xfrm>
+          <a:prstGeom prst="rect">
+            <a:avLst/>
+          </a:prstGeom>
+        </p:spPr>
+        <p:txBody>
+          <a:bodyPr vert="horz" lIns="91440" tIns="45720" rIns="91440" bIns="45720" rtlCol="0"/>
+          <a:lstStyle>
+            <a:lvl1pPr algn="r">
+              <a:defRPr sz="1200"/>
+            </a:lvl1pPr>
+          </a:lstStyle>
+          <a:p>
+            <a:fld id="{8C048EB3-07ED-4DEA-99CC-85E7A8A55568}" type="datetimeFigureOut">
+              <a:rPr lang="bg-BG" smtClean="0"/>
+              <a:t>8.12.2025 г.</a:t>
+            </a:fld>
+            <a:endParaRPr lang="bg-BG"/>
+          </a:p>
+        </p:txBody>
+      </p:sp>
+      <p:sp>
+        <p:nvSpPr>
+          <p:cNvPr id="4" name="Контейнер за изображение на слайда 3"/>
+          <p:cNvSpPr>
+            <a:spLocks noGrp="1" noRot="1" noChangeAspect="1"/>
+          </p:cNvSpPr>
+          <p:nvPr>
+            <p:ph type="sldImg" idx="2"/>
+          </p:nvPr>
+        </p:nvSpPr>
+        <p:spPr>
+          <a:xfrm>
+            <a:off x="685800" y="1143000"/>
+            <a:ext cx="5486400" cy="3086100"/>
+          </a:xfrm>
+          <a:prstGeom prst="rect">
+            <a:avLst/>
+          </a:prstGeom>
+          <a:noFill/>
+          <a:ln w="12700">
+            <a:solidFill>
+              <a:prstClr val="black"/>
+            </a:solidFill>
+          </a:ln>
+        </p:spPr>
+        <p:txBody>
+          <a:bodyPr vert="horz" lIns="91440" tIns="45720" rIns="91440" bIns="45720" rtlCol="0" anchor="ctr"/>
+          <a:lstStyle/>
+          <a:p>
+            <a:endParaRPr lang="bg-BG"/>
+          </a:p>
+        </p:txBody>
+      </p:sp>
+      <p:sp>
+        <p:nvSpPr>
+          <p:cNvPr id="5" name="Контейнер за бележки 4"/>
+          <p:cNvSpPr>
+            <a:spLocks noGrp="1"/>
+          </p:cNvSpPr>
+          <p:nvPr>
+            <p:ph type="body" sz="quarter" idx="3"/>
+          </p:nvPr>
+        </p:nvSpPr>
+        <p:spPr>
+          <a:xfrm>
+            <a:off x="685800" y="4400550"/>
+            <a:ext cx="5486400" cy="3600450"/>
+          </a:xfrm>
+          <a:prstGeom prst="rect">
+            <a:avLst/>
+          </a:prstGeom>
+        </p:spPr>
+        <p:txBody>
+          <a:bodyPr vert="horz" lIns="91440" tIns="45720" rIns="91440" bIns="45720" rtlCol="0"/>
+          <a:lstStyle/>
+          <a:p>
+            <a:pPr lvl="0"/>
+            <a:r>
+              <a:rPr lang="bg-BG"/>
+              <a:t>Редактиране на стиловете на текста в образеца</a:t>
+            </a:r>
+          </a:p>
+          <a:p>
+            <a:pPr lvl="1"/>
+            <a:r>
+              <a:rPr lang="bg-BG"/>
+              <a:t>Второ ниво</a:t>
+            </a:r>
+          </a:p>
+          <a:p>
+            <a:pPr lvl="2"/>
+            <a:r>
+              <a:rPr lang="bg-BG"/>
+              <a:t>Трето ниво</a:t>
+            </a:r>
+          </a:p>
+          <a:p>
+            <a:pPr lvl="3"/>
+            <a:r>
+              <a:rPr lang="bg-BG"/>
+              <a:t>Четвърто ниво</a:t>
+            </a:r>
+          </a:p>
+          <a:p>
+            <a:pPr lvl="4"/>
+            <a:r>
+              <a:rPr lang="bg-BG"/>
+              <a:t>Пето ниво</a:t>
+            </a:r>
+          </a:p>
+        </p:txBody>
+      </p:sp>
+      <p:sp>
+        <p:nvSpPr>
+          <p:cNvPr id="6" name="Контейнер за долния колонтитул 5"/>
+          <p:cNvSpPr>
+            <a:spLocks noGrp="1"/>
+          </p:cNvSpPr>
+          <p:nvPr>
+            <p:ph type="ftr" sz="quarter" idx="4"/>
+          </p:nvPr>
+        </p:nvSpPr>
+        <p:spPr>
+          <a:xfrm>
+            <a:off x="0" y="8685213"/>
+            <a:ext cx="2971800" cy="458787"/>
+          </a:xfrm>
+          <a:prstGeom prst="rect">
+            <a:avLst/>
+          </a:prstGeom>
+        </p:spPr>
+        <p:txBody>
+          <a:bodyPr vert="horz" lIns="91440" tIns="45720" rIns="91440" bIns="45720" rtlCol="0" anchor="b"/>
+          <a:lstStyle>
+            <a:lvl1pPr algn="l">
+              <a:defRPr sz="1200"/>
+            </a:lvl1pPr>
+          </a:lstStyle>
+          <a:p>
+            <a:endParaRPr lang="bg-BG"/>
+          </a:p>
+        </p:txBody>
+      </p:sp>
+      <p:sp>
+        <p:nvSpPr>
+          <p:cNvPr id="7" name="Контейнер за номер на слайда 6"/>
+          <p:cNvSpPr>
+            <a:spLocks noGrp="1"/>
+          </p:cNvSpPr>
+          <p:nvPr>
+            <p:ph type="sldNum" sz="quarter" idx="5"/>
+          </p:nvPr>
+        </p:nvSpPr>
+        <p:spPr>
+          <a:xfrm>
+            <a:off x="3884613" y="8685213"/>
+            <a:ext cx="2971800" cy="458787"/>
+          </a:xfrm>
+          <a:prstGeom prst="rect">
+            <a:avLst/>
+          </a:prstGeom>
+        </p:spPr>
+        <p:txBody>
+          <a:bodyPr vert="horz" lIns="91440" tIns="45720" rIns="91440" bIns="45720" rtlCol="0" anchor="b"/>
+          <a:lstStyle>
+            <a:lvl1pPr algn="r">
+              <a:defRPr sz="1200"/>
+            </a:lvl1pPr>
+          </a:lstStyle>
+          <a:p>
+            <a:fld id="{868E5A20-4111-4D7F-84C7-88262C79A0AB}" type="slidenum">
+              <a:rPr lang="bg-BG" smtClean="0"/>
+              <a:t>‹#›</a:t>
+            </a:fld>
+            <a:endParaRPr lang="bg-BG"/>
+          </a:p>
+        </p:txBody>
+      </p:sp>
+    </p:spTree>
+    <p:extLst>
+      <p:ext uri="{BB962C8B-B14F-4D97-AF65-F5344CB8AC3E}">
+        <p14:creationId xmlns:p14="http://schemas.microsoft.com/office/powerpoint/2010/main" val="2845496970"/>
+      </p:ext>
+    </p:extLst>
+  </p:cSld>
+  <p:clrMap bg1="lt1" tx1="dk1" bg2="lt2" tx2="dk2" accent1="accent1" accent2="accent2" accent3="accent3" accent4="accent4" accent5="accent5" accent6="accent6" hlink="hlink" folHlink="folHlink"/>
+  <p:notesStyle>
+    <a:lvl1pPr marL="0" algn="l" defTabSz="914400" rtl="0" eaLnBrk="1" latinLnBrk="0" hangingPunct="1">
+      <a:defRPr sz="1200" kern="1200">
+        <a:solidFill>
+          <a:schemeClr val="tx1"/>
+        </a:solidFill>
+        <a:latin typeface="+mn-lt"/>
+        <a:ea typeface="+mn-ea"/>
+        <a:cs typeface="+mn-cs"/>
+      </a:defRPr>
+    </a:lvl1pPr>
+    <a:lvl2pPr marL="457200" algn="l" defTabSz="914400" rtl="0" eaLnBrk="1" latinLnBrk="0" hangingPunct="1">
+      <a:defRPr sz="1200" kern="1200">
+        <a:solidFill>
+          <a:schemeClr val="tx1"/>
+        </a:solidFill>
+        <a:latin typeface="+mn-lt"/>
+        <a:ea typeface="+mn-ea"/>
+        <a:cs typeface="+mn-cs"/>
+      </a:defRPr>
+    </a:lvl2pPr>
+    <a:lvl3pPr marL="914400" algn="l" defTabSz="914400" rtl="0" eaLnBrk="1" latinLnBrk="0" hangingPunct="1">
+      <a:defRPr sz="1200" kern="1200">
+        <a:solidFill>
+          <a:schemeClr val="tx1"/>
+        </a:solidFill>
+        <a:latin typeface="+mn-lt"/>
+        <a:ea typeface="+mn-ea"/>
+        <a:cs typeface="+mn-cs"/>
+      </a:defRPr>
+    </a:lvl3pPr>
+    <a:lvl4pPr marL="1371600" algn="l" defTabSz="914400" rtl="0" eaLnBrk="1" latinLnBrk="0" hangingPunct="1">
+      <a:defRPr sz="1200" kern="1200">
+        <a:solidFill>
+          <a:schemeClr val="tx1"/>
+        </a:solidFill>
+        <a:latin typeface="+mn-lt"/>
+        <a:ea typeface="+mn-ea"/>
+        <a:cs typeface="+mn-cs"/>
+      </a:defRPr>
+    </a:lvl4pPr>
+    <a:lvl5pPr marL="1828800" algn="l" defTabSz="914400" rtl="0" eaLnBrk="1" latinLnBrk="0" hangingPunct="1">
+      <a:defRPr sz="1200" kern="1200">
+        <a:solidFill>
+          <a:schemeClr val="tx1"/>
+        </a:solidFill>
+        <a:latin typeface="+mn-lt"/>
+        <a:ea typeface="+mn-ea"/>
+        <a:cs typeface="+mn-cs"/>
+      </a:defRPr>
+    </a:lvl5pPr>
+    <a:lvl6pPr marL="2286000" algn="l" defTabSz="914400" rtl="0" eaLnBrk="1" latinLnBrk="0" hangingPunct="1">
+      <a:defRPr sz="1200" kern="1200">
+        <a:solidFill>
+          <a:schemeClr val="tx1"/>
+        </a:solidFill>
+        <a:latin typeface="+mn-lt"/>
+        <a:ea typeface="+mn-ea"/>
+        <a:cs typeface="+mn-cs"/>
+      </a:defRPr>
+    </a:lvl6pPr>
+    <a:lvl7pPr marL="2743200" algn="l" defTabSz="914400" rtl="0" eaLnBrk="1" latinLnBrk="0" hangingPunct="1">
+      <a:defRPr sz="1200" kern="1200">
+        <a:solidFill>
+          <a:schemeClr val="tx1"/>
+        </a:solidFill>
+        <a:latin typeface="+mn-lt"/>
+        <a:ea typeface="+mn-ea"/>
+        <a:cs typeface="+mn-cs"/>
+      </a:defRPr>
+    </a:lvl7pPr>
+    <a:lvl8pPr marL="3200400" algn="l" defTabSz="914400" rtl="0" eaLnBrk="1" latinLnBrk="0" hangingPunct="1">
+      <a:defRPr sz="1200" kern="1200">
+        <a:solidFill>
+          <a:schemeClr val="tx1"/>
+        </a:solidFill>
+        <a:latin typeface="+mn-lt"/>
+        <a:ea typeface="+mn-ea"/>
+        <a:cs typeface="+mn-cs"/>
+      </a:defRPr>
+    </a:lvl8pPr>
+    <a:lvl9pPr marL="3657600" algn="l" defTabSz="914400" rtl="0" eaLnBrk="1" latinLnBrk="0" hangingPunct="1">
+      <a:defRPr sz="1200" kern="1200">
+        <a:solidFill>
+          <a:schemeClr val="tx1"/>
+        </a:solidFill>
+        <a:latin typeface="+mn-lt"/>
+        <a:ea typeface="+mn-ea"/>
+        <a:cs typeface="+mn-cs"/>
+      </a:defRPr>
+    </a:lvl9pPr>
+  </p:notesStyle>
+</p:notesMaster>
+</file>
+
+<file path=ppt/notesSlides/notesSlide1.xml><?xml version="1.0" encoding="utf-8"?>
+<p:notes xmlns:a="http://schemas.openxmlformats.org/drawingml/2006/main" xmlns:r="http://schemas.openxmlformats.org/officeDocument/2006/relationships" xmlns:p="http://schemas.openxmlformats.org/presentationml/2006/main">
+  <p:cSld>
+    <p:spTree>
+      <p:nvGrpSpPr>
+        <p:cNvPr id="1" name=""/>
+        <p:cNvGrpSpPr/>
+        <p:nvPr/>
+      </p:nvGrpSpPr>
+      <p:grpSpPr>
+        <a:xfrm>
+          <a:off x="0" y="0"/>
+          <a:ext cx="0" cy="0"/>
+          <a:chOff x="0" y="0"/>
+          <a:chExt cx="0" cy="0"/>
+        </a:xfrm>
+      </p:grpSpPr>
+      <p:sp>
+        <p:nvSpPr>
+          <p:cNvPr id="2" name="Контейнер за изображение на слайда 1"/>
+          <p:cNvSpPr>
+            <a:spLocks noGrp="1" noRot="1" noChangeAspect="1"/>
+          </p:cNvSpPr>
+          <p:nvPr>
+            <p:ph type="sldImg"/>
+          </p:nvPr>
+        </p:nvSpPr>
+        <p:spPr/>
+      </p:sp>
+      <p:sp>
+        <p:nvSpPr>
+          <p:cNvPr id="3" name="Контейнер за бележки 2"/>
+          <p:cNvSpPr>
+            <a:spLocks noGrp="1"/>
+          </p:cNvSpPr>
+          <p:nvPr>
+            <p:ph type="body" idx="1"/>
+          </p:nvPr>
+        </p:nvSpPr>
+        <p:spPr/>
+        <p:txBody>
+          <a:bodyPr/>
+          <a:lstStyle/>
+          <a:p>
+            <a:endParaRPr lang="bg-BG" dirty="0"/>
+          </a:p>
+        </p:txBody>
+      </p:sp>
+      <p:sp>
+        <p:nvSpPr>
+          <p:cNvPr id="4" name="Контейнер за номер на слайда 3"/>
+          <p:cNvSpPr>
+            <a:spLocks noGrp="1"/>
+          </p:cNvSpPr>
+          <p:nvPr>
+            <p:ph type="sldNum" sz="quarter" idx="10"/>
+          </p:nvPr>
+        </p:nvSpPr>
+        <p:spPr/>
+        <p:txBody>
+          <a:bodyPr/>
+          <a:lstStyle/>
+          <a:p>
+            <a:fld id="{868E5A20-4111-4D7F-84C7-88262C79A0AB}" type="slidenum">
+              <a:rPr lang="bg-BG" smtClean="0"/>
+              <a:t>3</a:t>
+            </a:fld>
+            <a:endParaRPr lang="bg-BG"/>
+          </a:p>
+        </p:txBody>
+      </p:sp>
+    </p:spTree>
+    <p:extLst>
+      <p:ext uri="{BB962C8B-B14F-4D97-AF65-F5344CB8AC3E}">
+        <p14:creationId xmlns:p14="http://schemas.microsoft.com/office/powerpoint/2010/main" val="4090421686"/>
+      </p:ext>
+    </p:extLst>
+  </p:cSld>
+  <p:clrMapOvr>
+    <a:masterClrMapping/>
+  </p:clrMapOvr>
+</p:notes>
 </file>
 
 <file path=ppt/slideLayouts/slideLayout1.xml><?xml version="1.0" encoding="utf-8"?>
@@ -295,7 +738,7 @@
           <a:p>
             <a:fld id="{28BEFE68-09F3-4AAB-9F50-DBD31170F9EC}" type="datetimeFigureOut">
               <a:rPr lang="en-AU" smtClean="0"/>
-              <a:t>2/12/2025</a:t>
+              <a:t>8/12/2025</a:t>
             </a:fld>
             <a:endParaRPr lang="en-AU"/>
           </a:p>
@@ -593,7 +1036,7 @@
           <a:p>
             <a:fld id="{28BEFE68-09F3-4AAB-9F50-DBD31170F9EC}" type="datetimeFigureOut">
               <a:rPr lang="en-AU" smtClean="0"/>
-              <a:t>2/12/2025</a:t>
+              <a:t>8/12/2025</a:t>
             </a:fld>
             <a:endParaRPr lang="en-AU"/>
           </a:p>
@@ -785,7 +1228,7 @@
           <a:p>
             <a:fld id="{28BEFE68-09F3-4AAB-9F50-DBD31170F9EC}" type="datetimeFigureOut">
               <a:rPr lang="en-AU" smtClean="0"/>
-              <a:t>2/12/2025</a:t>
+              <a:t>8/12/2025</a:t>
             </a:fld>
             <a:endParaRPr lang="en-AU"/>
           </a:p>
@@ -1046,7 +1489,7 @@
           <a:p>
             <a:fld id="{28BEFE68-09F3-4AAB-9F50-DBD31170F9EC}" type="datetimeFigureOut">
               <a:rPr lang="en-AU" smtClean="0"/>
-              <a:t>2/12/2025</a:t>
+              <a:t>8/12/2025</a:t>
             </a:fld>
             <a:endParaRPr lang="en-AU"/>
           </a:p>
@@ -1470,7 +1913,7 @@
           <a:p>
             <a:fld id="{28BEFE68-09F3-4AAB-9F50-DBD31170F9EC}" type="datetimeFigureOut">
               <a:rPr lang="en-AU" smtClean="0"/>
-              <a:t>2/12/2025</a:t>
+              <a:t>8/12/2025</a:t>
             </a:fld>
             <a:endParaRPr lang="en-AU"/>
           </a:p>
@@ -2007,7 +2450,7 @@
           <a:p>
             <a:fld id="{28BEFE68-09F3-4AAB-9F50-DBD31170F9EC}" type="datetimeFigureOut">
               <a:rPr lang="en-AU" smtClean="0"/>
-              <a:t>2/12/2025</a:t>
+              <a:t>8/12/2025</a:t>
             </a:fld>
             <a:endParaRPr lang="en-AU"/>
           </a:p>
@@ -2871,7 +3314,7 @@
           <a:p>
             <a:fld id="{28BEFE68-09F3-4AAB-9F50-DBD31170F9EC}" type="datetimeFigureOut">
               <a:rPr lang="en-AU" smtClean="0"/>
-              <a:t>2/12/2025</a:t>
+              <a:t>8/12/2025</a:t>
             </a:fld>
             <a:endParaRPr lang="en-AU"/>
           </a:p>
@@ -3041,7 +3484,7 @@
           <a:p>
             <a:fld id="{28BEFE68-09F3-4AAB-9F50-DBD31170F9EC}" type="datetimeFigureOut">
               <a:rPr lang="en-AU" smtClean="0"/>
-              <a:t>2/12/2025</a:t>
+              <a:t>8/12/2025</a:t>
             </a:fld>
             <a:endParaRPr lang="en-AU"/>
           </a:p>
@@ -3225,7 +3668,7 @@
           <a:p>
             <a:fld id="{28BEFE68-09F3-4AAB-9F50-DBD31170F9EC}" type="datetimeFigureOut">
               <a:rPr lang="en-AU" smtClean="0"/>
-              <a:t>2/12/2025</a:t>
+              <a:t>8/12/2025</a:t>
             </a:fld>
             <a:endParaRPr lang="en-AU"/>
           </a:p>
@@ -3395,7 +3838,7 @@
           <a:p>
             <a:fld id="{28BEFE68-09F3-4AAB-9F50-DBD31170F9EC}" type="datetimeFigureOut">
               <a:rPr lang="en-AU" smtClean="0"/>
-              <a:t>2/12/2025</a:t>
+              <a:t>8/12/2025</a:t>
             </a:fld>
             <a:endParaRPr lang="en-AU"/>
           </a:p>
@@ -3639,7 +4082,7 @@
           <a:p>
             <a:fld id="{28BEFE68-09F3-4AAB-9F50-DBD31170F9EC}" type="datetimeFigureOut">
               <a:rPr lang="en-AU" smtClean="0"/>
-              <a:t>2/12/2025</a:t>
+              <a:t>8/12/2025</a:t>
             </a:fld>
             <a:endParaRPr lang="en-AU"/>
           </a:p>
@@ -3875,7 +4318,7 @@
           <a:p>
             <a:fld id="{28BEFE68-09F3-4AAB-9F50-DBD31170F9EC}" type="datetimeFigureOut">
               <a:rPr lang="en-AU" smtClean="0"/>
-              <a:t>2/12/2025</a:t>
+              <a:t>8/12/2025</a:t>
             </a:fld>
             <a:endParaRPr lang="en-AU"/>
           </a:p>
@@ -4341,7 +4784,7 @@
           <a:p>
             <a:fld id="{28BEFE68-09F3-4AAB-9F50-DBD31170F9EC}" type="datetimeFigureOut">
               <a:rPr lang="en-AU" smtClean="0"/>
-              <a:t>2/12/2025</a:t>
+              <a:t>8/12/2025</a:t>
             </a:fld>
             <a:endParaRPr lang="en-AU"/>
           </a:p>
@@ -4459,7 +4902,7 @@
           <a:p>
             <a:fld id="{28BEFE68-09F3-4AAB-9F50-DBD31170F9EC}" type="datetimeFigureOut">
               <a:rPr lang="en-AU" smtClean="0"/>
-              <a:t>2/12/2025</a:t>
+              <a:t>8/12/2025</a:t>
             </a:fld>
             <a:endParaRPr lang="en-AU"/>
           </a:p>
@@ -4554,7 +4997,7 @@
           <a:p>
             <a:fld id="{28BEFE68-09F3-4AAB-9F50-DBD31170F9EC}" type="datetimeFigureOut">
               <a:rPr lang="en-AU" smtClean="0"/>
-              <a:t>2/12/2025</a:t>
+              <a:t>8/12/2025</a:t>
             </a:fld>
             <a:endParaRPr lang="en-AU"/>
           </a:p>
@@ -4809,7 +5252,7 @@
           <a:p>
             <a:fld id="{28BEFE68-09F3-4AAB-9F50-DBD31170F9EC}" type="datetimeFigureOut">
               <a:rPr lang="en-AU" smtClean="0"/>
-              <a:t>2/12/2025</a:t>
+              <a:t>8/12/2025</a:t>
             </a:fld>
             <a:endParaRPr lang="en-AU"/>
           </a:p>
@@ -5109,7 +5552,7 @@
           <a:p>
             <a:fld id="{28BEFE68-09F3-4AAB-9F50-DBD31170F9EC}" type="datetimeFigureOut">
               <a:rPr lang="en-AU" smtClean="0"/>
-              <a:t>2/12/2025</a:t>
+              <a:t>8/12/2025</a:t>
             </a:fld>
             <a:endParaRPr lang="en-AU"/>
           </a:p>
@@ -5343,7 +5786,7 @@
           <a:p>
             <a:fld id="{28BEFE68-09F3-4AAB-9F50-DBD31170F9EC}" type="datetimeFigureOut">
               <a:rPr lang="en-AU" smtClean="0"/>
-              <a:t>2/12/2025</a:t>
+              <a:t>8/12/2025</a:t>
             </a:fld>
             <a:endParaRPr lang="en-AU"/>
           </a:p>
@@ -6019,86 +6462,136 @@
       </p:grpSpPr>
       <p:sp>
         <p:nvSpPr>
-          <p:cNvPr id="2" name="Title 1">
+          <p:cNvPr id="6" name="Заглавие 5"/>
+          <p:cNvSpPr>
+            <a:spLocks noGrp="1"/>
+          </p:cNvSpPr>
+          <p:nvPr>
+            <p:ph type="ctrTitle"/>
+          </p:nvPr>
+        </p:nvSpPr>
+        <p:spPr>
+          <a:xfrm>
+            <a:off x="1442593" y="4780348"/>
+            <a:ext cx="9306814" cy="1368430"/>
+          </a:xfrm>
+        </p:spPr>
+        <p:txBody>
+          <a:bodyPr>
+            <a:normAutofit fontScale="90000"/>
+          </a:bodyPr>
+          <a:lstStyle/>
+          <a:p>
+            <a:r>
+              <a:rPr lang="en-US" b="1" dirty="0">
+                <a:solidFill>
+                  <a:srgbClr val="FF9900"/>
+                </a:solidFill>
+                <a:latin typeface="Arial Black" panose="020B0A04020102020204" pitchFamily="34" charset="0"/>
+              </a:rPr>
+              <a:t>PROJECT PRESENTATION</a:t>
+            </a:r>
+            <a:endParaRPr lang="bg-BG" b="1" dirty="0">
+              <a:solidFill>
+                <a:srgbClr val="FF9900"/>
+              </a:solidFill>
+              <a:latin typeface="Arial Black" panose="020B0A04020102020204" pitchFamily="34" charset="0"/>
+            </a:endParaRPr>
+          </a:p>
+        </p:txBody>
+      </p:sp>
+      <p:pic>
+        <p:nvPicPr>
+          <p:cNvPr id="7" name="Picture 6">
             <a:extLst>
               <a:ext uri="{FF2B5EF4-FFF2-40B4-BE49-F238E27FC236}">
-                <a16:creationId xmlns:a16="http://schemas.microsoft.com/office/drawing/2014/main" id="{DA4DF420-BE77-FEB3-C239-91F6BCD869D9}"/>
+                <a16:creationId xmlns:a16="http://schemas.microsoft.com/office/drawing/2014/main" id="{0E2274F3-E124-47B0-A5FD-E65122716A11}"/>
               </a:ext>
             </a:extLst>
           </p:cNvPr>
-          <p:cNvSpPr>
-            <a:spLocks noGrp="1"/>
-          </p:cNvSpPr>
-          <p:nvPr>
-            <p:ph type="ctrTitle"/>
-          </p:nvPr>
-        </p:nvSpPr>
-        <p:spPr>
-          <a:xfrm>
-            <a:off x="922508" y="221624"/>
-            <a:ext cx="10106854" cy="3511390"/>
-          </a:xfrm>
-        </p:spPr>
-        <p:txBody>
-          <a:bodyPr>
-            <a:normAutofit fontScale="90000"/>
-          </a:bodyPr>
-          <a:lstStyle/>
-          <a:p>
-            <a:br>
-              <a:rPr lang="en-AU" b="1" dirty="0"/>
-            </a:br>
-            <a:br>
-              <a:rPr lang="en-AU" b="1" dirty="0"/>
-            </a:br>
-            <a:br>
-              <a:rPr lang="en-AU" b="1" dirty="0"/>
-            </a:br>
-            <a:r>
-              <a:rPr lang="en-AU" sz="8900" b="1" dirty="0"/>
-              <a:t>niche math games</a:t>
-            </a:r>
-            <a:br>
-              <a:rPr lang="en-AU" b="1" dirty="0"/>
-            </a:br>
-            <a:r>
-              <a:rPr lang="en-AU" sz="2000" b="1" dirty="0"/>
-              <a:t>Sprint math games</a:t>
-            </a:r>
-            <a:endParaRPr lang="en-AU" sz="2000" dirty="0"/>
-          </a:p>
-        </p:txBody>
-      </p:sp>
-      <p:sp>
-        <p:nvSpPr>
-          <p:cNvPr id="3" name="Subtitle 2">
+          <p:cNvPicPr>
+            <a:picLocks noChangeAspect="1"/>
+          </p:cNvPicPr>
+          <p:nvPr/>
+        </p:nvPicPr>
+        <p:blipFill>
+          <a:blip r:embed="rId2">
             <a:extLst>
-              <a:ext uri="{FF2B5EF4-FFF2-40B4-BE49-F238E27FC236}">
-                <a16:creationId xmlns:a16="http://schemas.microsoft.com/office/drawing/2014/main" id="{A5026F3B-CD52-88C6-0EDB-31BD3EFF03BA}"/>
+              <a:ext uri="{BEBA8EAE-BF5A-486C-A8C5-ECC9F3942E4B}">
+                <a14:imgProps xmlns:a14="http://schemas.microsoft.com/office/drawing/2010/main">
+                  <a14:imgLayer r:embed="rId3">
+                    <a14:imgEffect>
+                      <a14:backgroundRemoval t="8008" b="89844" l="9961" r="89844">
+                        <a14:foregroundMark x1="36426" y1="9668" x2="36426" y2="9668"/>
+                        <a14:foregroundMark x1="36426" y1="9668" x2="36426" y2="9668"/>
+                        <a14:foregroundMark x1="36621" y1="8008" x2="36621" y2="8008"/>
+                        <a14:foregroundMark x1="36914" y1="68848" x2="36914" y2="68848"/>
+                        <a14:foregroundMark x1="37012" y1="68848" x2="37012" y2="68848"/>
+                        <a14:foregroundMark x1="44141" y1="68848" x2="44141" y2="68848"/>
+                        <a14:foregroundMark x1="44141" y1="68848" x2="44141" y2="68848"/>
+                        <a14:foregroundMark x1="54688" y1="68457" x2="54688" y2="68457"/>
+                        <a14:foregroundMark x1="54688" y1="68457" x2="54688" y2="68457"/>
+                        <a14:foregroundMark x1="68945" y1="68066" x2="68945" y2="68066"/>
+                        <a14:foregroundMark x1="68945" y1="68066" x2="68945" y2="68066"/>
+                        <a14:foregroundMark x1="17676" y1="82227" x2="17676" y2="82227"/>
+                        <a14:foregroundMark x1="17676" y1="82227" x2="17676" y2="82227"/>
+                        <a14:foregroundMark x1="21777" y1="82227" x2="21777" y2="82227"/>
+                        <a14:foregroundMark x1="21777" y1="82227" x2="21777" y2="82227"/>
+                        <a14:foregroundMark x1="31445" y1="81445" x2="31445" y2="81445"/>
+                        <a14:foregroundMark x1="31445" y1="81445" x2="31445" y2="81445"/>
+                        <a14:foregroundMark x1="37402" y1="81348" x2="37402" y2="81348"/>
+                        <a14:foregroundMark x1="37402" y1="81348" x2="37402" y2="81348"/>
+                        <a14:foregroundMark x1="50391" y1="81543" x2="50391" y2="81543"/>
+                        <a14:foregroundMark x1="50293" y1="80957" x2="50293" y2="80957"/>
+                        <a14:foregroundMark x1="58887" y1="81152" x2="58887" y2="81152"/>
+                        <a14:foregroundMark x1="58887" y1="81152" x2="58887" y2="81152"/>
+                        <a14:foregroundMark x1="65723" y1="80957" x2="65723" y2="80957"/>
+                        <a14:foregroundMark x1="65723" y1="81055" x2="65723" y2="81055"/>
+                        <a14:foregroundMark x1="76270" y1="80273" x2="76270" y2="80273"/>
+                        <a14:foregroundMark x1="76270" y1="80273" x2="76270" y2="80273"/>
+                        <a14:foregroundMark x1="84766" y1="80566" x2="84766" y2="80566"/>
+                        <a14:foregroundMark x1="84766" y1="80566" x2="84766" y2="80566"/>
+                        <a14:foregroundMark x1="22656" y1="66895" x2="22656" y2="66895"/>
+                        <a14:backgroundMark x1="28027" y1="67285" x2="28125" y2="68945"/>
+                        <a14:backgroundMark x1="23535" y1="82031" x2="23535" y2="82031"/>
+                        <a14:backgroundMark x1="23535" y1="84277" x2="23535" y2="84277"/>
+                        <a14:backgroundMark x1="59082" y1="82129" x2="59082" y2="82129"/>
+                        <a14:backgroundMark x1="66309" y1="82324" x2="66309" y2="82324"/>
+                        <a14:backgroundMark x1="68066" y1="81543" x2="68066" y2="81543"/>
+                        <a14:backgroundMark x1="69531" y1="82520" x2="69531" y2="82520"/>
+                        <a14:backgroundMark x1="13086" y1="82813" x2="13086" y2="82813"/>
+                        <a14:backgroundMark x1="16504" y1="83105" x2="16504" y2="83105"/>
+                        <a14:backgroundMark x1="16211" y1="82520" x2="16211" y2="82520"/>
+                        <a14:backgroundMark x1="14746" y1="81348" x2="14746" y2="81348"/>
+                        <a14:backgroundMark x1="12891" y1="82129" x2="12891" y2="82129"/>
+                        <a14:backgroundMark x1="16504" y1="82031" x2="16504" y2="82031"/>
+                        <a14:backgroundMark x1="14746" y1="81543" x2="14746" y2="81543"/>
+                        <a14:backgroundMark x1="21582" y1="81836" x2="21582" y2="81836"/>
+                        <a14:backgroundMark x1="23145" y1="82422" x2="23145" y2="82422"/>
+                        <a14:backgroundMark x1="22754" y1="83691" x2="22754" y2="83691"/>
+                        <a14:backgroundMark x1="23828" y1="82129" x2="23828" y2="82129"/>
+                        <a14:backgroundMark x1="23730" y1="81445" x2="23730" y2="81445"/>
+                      </a14:backgroundRemoval>
+                    </a14:imgEffect>
+                  </a14:imgLayer>
+                </a14:imgProps>
               </a:ext>
             </a:extLst>
-          </p:cNvPr>
-          <p:cNvSpPr>
-            <a:spLocks noGrp="1"/>
-          </p:cNvSpPr>
-          <p:nvPr>
-            <p:ph type="subTitle" idx="1"/>
-          </p:nvPr>
-        </p:nvSpPr>
-        <p:spPr>
-          <a:xfrm>
-            <a:off x="1255918" y="5304590"/>
-            <a:ext cx="9440034" cy="1049867"/>
-          </a:xfrm>
-        </p:spPr>
-        <p:txBody>
-          <a:bodyPr/>
-          <a:lstStyle/>
-          <a:p>
-            <a:endParaRPr lang="en-AU" dirty="0"/>
-          </a:p>
-        </p:txBody>
-      </p:sp>
+          </a:blip>
+          <a:stretch>
+            <a:fillRect/>
+          </a:stretch>
+        </p:blipFill>
+        <p:spPr>
+          <a:xfrm>
+            <a:off x="3203761" y="-30557"/>
+            <a:ext cx="5149664" cy="5149664"/>
+          </a:xfrm>
+          <a:prstGeom prst="rect">
+            <a:avLst/>
+          </a:prstGeom>
+        </p:spPr>
+      </p:pic>
     </p:spTree>
     <p:extLst>
       <p:ext uri="{BB962C8B-B14F-4D97-AF65-F5344CB8AC3E}">
@@ -6131,6 +6624,331 @@
       </p:grpSpPr>
       <p:sp>
         <p:nvSpPr>
+          <p:cNvPr id="2" name="Заглавие 1"/>
+          <p:cNvSpPr>
+            <a:spLocks noGrp="1"/>
+          </p:cNvSpPr>
+          <p:nvPr>
+            <p:ph type="title"/>
+          </p:nvPr>
+        </p:nvSpPr>
+        <p:spPr/>
+        <p:txBody>
+          <a:bodyPr>
+            <a:normAutofit/>
+          </a:bodyPr>
+          <a:lstStyle/>
+          <a:p>
+            <a:r>
+              <a:rPr lang="en-US" dirty="0">
+                <a:latin typeface="Arial Black" panose="020B0A04020102020204" pitchFamily="34" charset="0"/>
+              </a:rPr>
+              <a:t>TABLE OF CONTENTS</a:t>
+            </a:r>
+            <a:endParaRPr lang="bg-BG" dirty="0">
+              <a:latin typeface="Arial Black" panose="020B0A04020102020204" pitchFamily="34" charset="0"/>
+            </a:endParaRPr>
+          </a:p>
+        </p:txBody>
+      </p:sp>
+      <p:sp>
+        <p:nvSpPr>
+          <p:cNvPr id="6" name="Правоъгълник 5"/>
+          <p:cNvSpPr/>
+          <p:nvPr/>
+        </p:nvSpPr>
+        <p:spPr>
+          <a:xfrm>
+            <a:off x="1167112" y="2196767"/>
+            <a:ext cx="675309" cy="646331"/>
+          </a:xfrm>
+          <a:prstGeom prst="rect">
+            <a:avLst/>
+          </a:prstGeom>
+        </p:spPr>
+        <p:txBody>
+          <a:bodyPr wrap="square">
+            <a:spAutoFit/>
+          </a:bodyPr>
+          <a:lstStyle/>
+          <a:p>
+            <a:r>
+              <a:rPr lang="bg-BG" sz="3600" dirty="0"/>
+              <a:t>01</a:t>
+            </a:r>
+          </a:p>
+        </p:txBody>
+      </p:sp>
+      <p:sp>
+        <p:nvSpPr>
+          <p:cNvPr id="7" name="Правоъгълник 6"/>
+          <p:cNvSpPr/>
+          <p:nvPr/>
+        </p:nvSpPr>
+        <p:spPr>
+          <a:xfrm>
+            <a:off x="1855434" y="2137071"/>
+            <a:ext cx="2840854" cy="765725"/>
+          </a:xfrm>
+          <a:prstGeom prst="rect">
+            <a:avLst/>
+          </a:prstGeom>
+          <a:solidFill>
+            <a:srgbClr val="9900FF"/>
+          </a:solidFill>
+          <a:ln>
+            <a:solidFill>
+              <a:srgbClr val="7030A0"/>
+            </a:solidFill>
+          </a:ln>
+        </p:spPr>
+        <p:style>
+          <a:lnRef idx="2">
+            <a:schemeClr val="accent1">
+              <a:shade val="50000"/>
+            </a:schemeClr>
+          </a:lnRef>
+          <a:fillRef idx="1">
+            <a:schemeClr val="accent1"/>
+          </a:fillRef>
+          <a:effectRef idx="0">
+            <a:schemeClr val="accent1"/>
+          </a:effectRef>
+          <a:fontRef idx="minor">
+            <a:schemeClr val="lt1"/>
+          </a:fontRef>
+        </p:style>
+        <p:txBody>
+          <a:bodyPr rtlCol="0" anchor="ctr"/>
+          <a:lstStyle/>
+          <a:p>
+            <a:pPr algn="ctr"/>
+            <a:r>
+              <a:rPr lang="en-US" sz="3200" b="1" dirty="0">
+                <a:solidFill>
+                  <a:srgbClr val="000000"/>
+                </a:solidFill>
+                <a:latin typeface="Arial Black" panose="020B0A04020102020204" pitchFamily="34" charset="0"/>
+              </a:rPr>
+              <a:t>OUR TEAM</a:t>
+            </a:r>
+            <a:endParaRPr lang="bg-BG" sz="3200" b="1" dirty="0">
+              <a:solidFill>
+                <a:srgbClr val="000000"/>
+              </a:solidFill>
+              <a:latin typeface="Arial Black" panose="020B0A04020102020204" pitchFamily="34" charset="0"/>
+            </a:endParaRPr>
+          </a:p>
+        </p:txBody>
+      </p:sp>
+      <p:sp>
+        <p:nvSpPr>
+          <p:cNvPr id="8" name="Правоъгълник 7"/>
+          <p:cNvSpPr/>
+          <p:nvPr/>
+        </p:nvSpPr>
+        <p:spPr>
+          <a:xfrm>
+            <a:off x="4670249" y="4497919"/>
+            <a:ext cx="2840854" cy="765725"/>
+          </a:xfrm>
+          <a:prstGeom prst="rect">
+            <a:avLst/>
+          </a:prstGeom>
+        </p:spPr>
+        <p:style>
+          <a:lnRef idx="2">
+            <a:schemeClr val="accent1">
+              <a:shade val="50000"/>
+            </a:schemeClr>
+          </a:lnRef>
+          <a:fillRef idx="1">
+            <a:schemeClr val="accent1"/>
+          </a:fillRef>
+          <a:effectRef idx="0">
+            <a:schemeClr val="accent1"/>
+          </a:effectRef>
+          <a:fontRef idx="minor">
+            <a:schemeClr val="lt1"/>
+          </a:fontRef>
+        </p:style>
+        <p:txBody>
+          <a:bodyPr rtlCol="0" anchor="ctr"/>
+          <a:lstStyle/>
+          <a:p>
+            <a:pPr algn="ctr"/>
+            <a:r>
+              <a:rPr lang="en-US" b="1" dirty="0">
+                <a:latin typeface="Arial Black" panose="020B0A04020102020204" pitchFamily="34" charset="0"/>
+              </a:rPr>
+              <a:t>USED TECHNOLOGIES</a:t>
+            </a:r>
+            <a:endParaRPr lang="bg-BG" b="1" dirty="0">
+              <a:latin typeface="Arial Black" panose="020B0A04020102020204" pitchFamily="34" charset="0"/>
+            </a:endParaRPr>
+          </a:p>
+        </p:txBody>
+      </p:sp>
+      <p:sp>
+        <p:nvSpPr>
+          <p:cNvPr id="10" name="Правоъгълник 9"/>
+          <p:cNvSpPr/>
+          <p:nvPr/>
+        </p:nvSpPr>
+        <p:spPr>
+          <a:xfrm>
+            <a:off x="7461682" y="2137071"/>
+            <a:ext cx="2840854" cy="765725"/>
+          </a:xfrm>
+          <a:prstGeom prst="rect">
+            <a:avLst/>
+          </a:prstGeom>
+          <a:solidFill>
+            <a:srgbClr val="0070C0"/>
+          </a:solidFill>
+          <a:ln>
+            <a:solidFill>
+              <a:srgbClr val="0070C0"/>
+            </a:solidFill>
+          </a:ln>
+        </p:spPr>
+        <p:style>
+          <a:lnRef idx="2">
+            <a:schemeClr val="accent1">
+              <a:shade val="50000"/>
+            </a:schemeClr>
+          </a:lnRef>
+          <a:fillRef idx="1">
+            <a:schemeClr val="accent1"/>
+          </a:fillRef>
+          <a:effectRef idx="0">
+            <a:schemeClr val="accent1"/>
+          </a:effectRef>
+          <a:fontRef idx="minor">
+            <a:schemeClr val="lt1"/>
+          </a:fontRef>
+        </p:style>
+        <p:txBody>
+          <a:bodyPr rtlCol="0" anchor="ctr"/>
+          <a:lstStyle/>
+          <a:p>
+            <a:pPr algn="ctr"/>
+            <a:r>
+              <a:rPr lang="en-US" sz="3600" b="1" dirty="0">
+                <a:solidFill>
+                  <a:srgbClr val="000000"/>
+                </a:solidFill>
+                <a:latin typeface="Arial Black" panose="020B0A04020102020204" pitchFamily="34" charset="0"/>
+              </a:rPr>
+              <a:t>OUR GOAL</a:t>
+            </a:r>
+            <a:endParaRPr lang="bg-BG" sz="3600" b="1" dirty="0">
+              <a:solidFill>
+                <a:srgbClr val="000000"/>
+              </a:solidFill>
+              <a:latin typeface="Arial Black" panose="020B0A04020102020204" pitchFamily="34" charset="0"/>
+            </a:endParaRPr>
+          </a:p>
+        </p:txBody>
+      </p:sp>
+      <p:sp>
+        <p:nvSpPr>
+          <p:cNvPr id="11" name="Правоъгълник 10"/>
+          <p:cNvSpPr/>
+          <p:nvPr/>
+        </p:nvSpPr>
+        <p:spPr>
+          <a:xfrm>
+            <a:off x="6760346" y="2196767"/>
+            <a:ext cx="701336" cy="646331"/>
+          </a:xfrm>
+          <a:prstGeom prst="rect">
+            <a:avLst/>
+          </a:prstGeom>
+        </p:spPr>
+        <p:txBody>
+          <a:bodyPr wrap="square">
+            <a:spAutoFit/>
+          </a:bodyPr>
+          <a:lstStyle/>
+          <a:p>
+            <a:r>
+              <a:rPr lang="bg-BG" sz="3600" dirty="0"/>
+              <a:t>0</a:t>
+            </a:r>
+            <a:r>
+              <a:rPr lang="en-US" sz="3600" dirty="0"/>
+              <a:t>2</a:t>
+            </a:r>
+            <a:endParaRPr lang="bg-BG" sz="3600" dirty="0"/>
+          </a:p>
+        </p:txBody>
+      </p:sp>
+      <p:sp>
+        <p:nvSpPr>
+          <p:cNvPr id="13" name="Правоъгълник 12"/>
+          <p:cNvSpPr/>
+          <p:nvPr/>
+        </p:nvSpPr>
+        <p:spPr>
+          <a:xfrm>
+            <a:off x="3968913" y="4557615"/>
+            <a:ext cx="701336" cy="646331"/>
+          </a:xfrm>
+          <a:prstGeom prst="rect">
+            <a:avLst/>
+          </a:prstGeom>
+        </p:spPr>
+        <p:txBody>
+          <a:bodyPr wrap="square">
+            <a:spAutoFit/>
+          </a:bodyPr>
+          <a:lstStyle/>
+          <a:p>
+            <a:r>
+              <a:rPr lang="bg-BG" sz="3600" dirty="0"/>
+              <a:t>0</a:t>
+            </a:r>
+            <a:r>
+              <a:rPr lang="en-US" sz="3600" dirty="0"/>
+              <a:t>3</a:t>
+            </a:r>
+            <a:endParaRPr lang="bg-BG" sz="3600" dirty="0"/>
+          </a:p>
+        </p:txBody>
+      </p:sp>
+    </p:spTree>
+    <p:extLst>
+      <p:ext uri="{BB962C8B-B14F-4D97-AF65-F5344CB8AC3E}">
+        <p14:creationId xmlns:p14="http://schemas.microsoft.com/office/powerpoint/2010/main" val="1631861716"/>
+      </p:ext>
+    </p:extLst>
+  </p:cSld>
+  <p:clrMapOvr>
+    <a:masterClrMapping/>
+  </p:clrMapOvr>
+</p:sld>
+</file>
+
+<file path=ppt/slides/slide3.xml><?xml version="1.0" encoding="utf-8"?>
+<p:sld xmlns:a="http://schemas.openxmlformats.org/drawingml/2006/main" xmlns:r="http://schemas.openxmlformats.org/officeDocument/2006/relationships" xmlns:p="http://schemas.openxmlformats.org/presentationml/2006/main">
+  <p:cSld>
+    <p:spTree>
+      <p:nvGrpSpPr>
+        <p:cNvPr id="1" name=""/>
+        <p:cNvGrpSpPr/>
+        <p:nvPr/>
+      </p:nvGrpSpPr>
+      <p:grpSpPr>
+        <a:xfrm>
+          <a:off x="0" y="0"/>
+          <a:ext cx="0" cy="0"/>
+          <a:chOff x="0" y="0"/>
+          <a:chExt cx="0" cy="0"/>
+        </a:xfrm>
+      </p:grpSpPr>
+      <p:sp>
+        <p:nvSpPr>
           <p:cNvPr id="2" name="Title 1">
             <a:extLst>
               <a:ext uri="{FF2B5EF4-FFF2-40B4-BE49-F238E27FC236}">
@@ -6151,10 +6969,14 @@
           <a:lstStyle/>
           <a:p>
             <a:r>
-              <a:rPr lang="bg-BG" dirty="0"/>
-              <a:t>Нашият отбор</a:t>
-            </a:r>
-            <a:endParaRPr lang="en-AU" dirty="0"/>
+              <a:rPr lang="en-US" dirty="0">
+                <a:latin typeface="Arial Black" panose="020B0A04020102020204" pitchFamily="34" charset="0"/>
+              </a:rPr>
+              <a:t>OUR TEAM</a:t>
+            </a:r>
+            <a:endParaRPr lang="en-AU" dirty="0">
+              <a:latin typeface="Arial Black" panose="020B0A04020102020204" pitchFamily="34" charset="0"/>
+            </a:endParaRPr>
           </a:p>
         </p:txBody>
       </p:sp>
@@ -6173,15 +6995,15 @@
           <p:nvPr/>
         </p:nvPicPr>
         <p:blipFill>
-          <a:blip r:embed="rId2"/>
+          <a:blip r:embed="rId3"/>
           <a:stretch>
             <a:fillRect/>
           </a:stretch>
         </p:blipFill>
         <p:spPr>
           <a:xfrm>
-            <a:off x="851916" y="1882138"/>
-            <a:ext cx="1804416" cy="1828800"/>
+            <a:off x="916989" y="1779218"/>
+            <a:ext cx="1879597" cy="1904997"/>
           </a:xfrm>
           <a:prstGeom prst="ellipse">
             <a:avLst/>
@@ -6214,30 +7036,28 @@
       </p:pic>
       <p:pic>
         <p:nvPicPr>
-          <p:cNvPr id="16" name="Content Placeholder 15">
+          <p:cNvPr id="18" name="Picture 17">
             <a:extLst>
               <a:ext uri="{FF2B5EF4-FFF2-40B4-BE49-F238E27FC236}">
-                <a16:creationId xmlns:a16="http://schemas.microsoft.com/office/drawing/2014/main" id="{21BC50DD-0BE6-F156-6EFB-7BBEC830865C}"/>
+                <a16:creationId xmlns:a16="http://schemas.microsoft.com/office/drawing/2014/main" id="{719033E6-B901-16C3-871B-F3BCB2A536B0}"/>
               </a:ext>
             </a:extLst>
           </p:cNvPr>
           <p:cNvPicPr>
-            <a:picLocks noGrp="1" noChangeAspect="1"/>
+            <a:picLocks noChangeAspect="1"/>
           </p:cNvPicPr>
-          <p:nvPr>
-            <p:ph idx="1"/>
-          </p:nvPr>
+          <p:nvPr/>
         </p:nvPicPr>
         <p:blipFill>
-          <a:blip r:embed="rId3"/>
+          <a:blip r:embed="rId4"/>
           <a:stretch>
             <a:fillRect/>
           </a:stretch>
         </p:blipFill>
         <p:spPr>
           <a:xfrm>
-            <a:off x="3486150" y="1868424"/>
-            <a:ext cx="1804415" cy="1804415"/>
+            <a:off x="9122768" y="1872884"/>
+            <a:ext cx="1879597" cy="1904997"/>
           </a:xfrm>
           <a:prstGeom prst="ellipse">
             <a:avLst/>
@@ -6268,30 +7088,225 @@
           </a:sp3d>
         </p:spPr>
       </p:pic>
-      <p:pic>
-        <p:nvPicPr>
-          <p:cNvPr id="17" name="Picture 16">
+      <p:sp>
+        <p:nvSpPr>
+          <p:cNvPr id="20" name="TextBox 19">
             <a:extLst>
               <a:ext uri="{FF2B5EF4-FFF2-40B4-BE49-F238E27FC236}">
-                <a16:creationId xmlns:a16="http://schemas.microsoft.com/office/drawing/2014/main" id="{904C7C22-CED3-BFD2-C1CC-D54B104CDDAA}"/>
+                <a16:creationId xmlns:a16="http://schemas.microsoft.com/office/drawing/2014/main" id="{5F82F599-D71B-90E2-8C6E-AE7C597F8477}"/>
               </a:ext>
             </a:extLst>
           </p:cNvPr>
+          <p:cNvSpPr txBox="1"/>
+          <p:nvPr/>
+        </p:nvSpPr>
+        <p:spPr>
+          <a:xfrm>
+            <a:off x="345005" y="3936829"/>
+            <a:ext cx="2817499" cy="369332"/>
+          </a:xfrm>
+          <a:prstGeom prst="rect">
+            <a:avLst/>
+          </a:prstGeom>
+          <a:noFill/>
+        </p:spPr>
+        <p:txBody>
+          <a:bodyPr wrap="square">
+            <a:spAutoFit/>
+          </a:bodyPr>
+          <a:lstStyle/>
+          <a:p>
+            <a:r>
+              <a:rPr lang="bg-BG" b="1" dirty="0">
+                <a:latin typeface="Arial Black" panose="020B0A04020102020204" pitchFamily="34" charset="0"/>
+              </a:rPr>
+              <a:t>Алтай  </a:t>
+            </a:r>
+            <a:r>
+              <a:rPr lang="bg-BG" b="1" dirty="0" err="1">
+                <a:latin typeface="Arial Black" panose="020B0A04020102020204" pitchFamily="34" charset="0"/>
+              </a:rPr>
+              <a:t>Йеменджиев</a:t>
+            </a:r>
+            <a:endParaRPr lang="en-AU" b="1" dirty="0">
+              <a:latin typeface="Arial Black" panose="020B0A04020102020204" pitchFamily="34" charset="0"/>
+            </a:endParaRPr>
+          </a:p>
+        </p:txBody>
+      </p:sp>
+      <p:sp>
+        <p:nvSpPr>
+          <p:cNvPr id="22" name="TextBox 21">
+            <a:extLst>
+              <a:ext uri="{FF2B5EF4-FFF2-40B4-BE49-F238E27FC236}">
+                <a16:creationId xmlns:a16="http://schemas.microsoft.com/office/drawing/2014/main" id="{5E445CB1-93AB-C4A0-63DE-69211C9716AB}"/>
+              </a:ext>
+            </a:extLst>
+          </p:cNvPr>
+          <p:cNvSpPr txBox="1"/>
+          <p:nvPr/>
+        </p:nvSpPr>
+        <p:spPr>
+          <a:xfrm>
+            <a:off x="3368050" y="3961214"/>
+            <a:ext cx="2722626" cy="369332"/>
+          </a:xfrm>
+          <a:prstGeom prst="rect">
+            <a:avLst/>
+          </a:prstGeom>
+          <a:noFill/>
+        </p:spPr>
+        <p:txBody>
+          <a:bodyPr wrap="square">
+            <a:spAutoFit/>
+          </a:bodyPr>
+          <a:lstStyle/>
+          <a:p>
+            <a:r>
+              <a:rPr lang="bg-BG" b="1" dirty="0">
+                <a:latin typeface="Arial Black" panose="020B0A04020102020204" pitchFamily="34" charset="0"/>
+              </a:rPr>
+              <a:t>Мирослав  Илиев</a:t>
+            </a:r>
+            <a:endParaRPr lang="en-AU" b="1" dirty="0">
+              <a:latin typeface="Arial Black" panose="020B0A04020102020204" pitchFamily="34" charset="0"/>
+            </a:endParaRPr>
+          </a:p>
+        </p:txBody>
+      </p:sp>
+      <p:sp>
+        <p:nvSpPr>
+          <p:cNvPr id="24" name="TextBox 23">
+            <a:extLst>
+              <a:ext uri="{FF2B5EF4-FFF2-40B4-BE49-F238E27FC236}">
+                <a16:creationId xmlns:a16="http://schemas.microsoft.com/office/drawing/2014/main" id="{BED30AAA-D9F9-E1DF-F609-681B6C47D1A9}"/>
+              </a:ext>
+            </a:extLst>
+          </p:cNvPr>
+          <p:cNvSpPr txBox="1"/>
+          <p:nvPr/>
+        </p:nvSpPr>
+        <p:spPr>
+          <a:xfrm>
+            <a:off x="6225990" y="3684215"/>
+            <a:ext cx="2348869" cy="646331"/>
+          </a:xfrm>
+          <a:prstGeom prst="rect">
+            <a:avLst/>
+          </a:prstGeom>
+          <a:noFill/>
+        </p:spPr>
+        <p:txBody>
+          <a:bodyPr wrap="square">
+            <a:spAutoFit/>
+          </a:bodyPr>
+          <a:lstStyle/>
+          <a:p>
+            <a:br>
+              <a:rPr lang="bg-BG" dirty="0">
+                <a:latin typeface="Arial Black" panose="020B0A04020102020204" pitchFamily="34" charset="0"/>
+              </a:rPr>
+            </a:br>
+            <a:r>
+              <a:rPr lang="bg-BG" b="1" i="0" dirty="0">
+                <a:solidFill>
+                  <a:srgbClr val="FFFFFF"/>
+                </a:solidFill>
+                <a:effectLst/>
+                <a:latin typeface="Arial Black" panose="020B0A04020102020204" pitchFamily="34" charset="0"/>
+              </a:rPr>
+              <a:t>Иван  Трифонов</a:t>
+            </a:r>
+            <a:endParaRPr lang="en-AU" dirty="0">
+              <a:latin typeface="Arial Black" panose="020B0A04020102020204" pitchFamily="34" charset="0"/>
+            </a:endParaRPr>
+          </a:p>
+        </p:txBody>
+      </p:sp>
+      <p:sp>
+        <p:nvSpPr>
+          <p:cNvPr id="26" name="TextBox 25">
+            <a:extLst>
+              <a:ext uri="{FF2B5EF4-FFF2-40B4-BE49-F238E27FC236}">
+                <a16:creationId xmlns:a16="http://schemas.microsoft.com/office/drawing/2014/main" id="{895C7FC3-FE9B-B06B-69BA-676F1D5F1C44}"/>
+              </a:ext>
+            </a:extLst>
+          </p:cNvPr>
+          <p:cNvSpPr txBox="1"/>
+          <p:nvPr/>
+        </p:nvSpPr>
+        <p:spPr>
+          <a:xfrm>
+            <a:off x="8987405" y="3961214"/>
+            <a:ext cx="6094476" cy="954107"/>
+          </a:xfrm>
+          <a:prstGeom prst="rect">
+            <a:avLst/>
+          </a:prstGeom>
+          <a:noFill/>
+        </p:spPr>
+        <p:txBody>
+          <a:bodyPr wrap="square">
+            <a:spAutoFit/>
+          </a:bodyPr>
+          <a:lstStyle/>
+          <a:p>
+            <a:pPr algn="l">
+              <a:lnSpc>
+                <a:spcPts val="2400"/>
+              </a:lnSpc>
+              <a:buNone/>
+            </a:pPr>
+            <a:r>
+              <a:rPr lang="bg-BG" b="1" i="0" dirty="0">
+                <a:solidFill>
+                  <a:srgbClr val="FFFFFF"/>
+                </a:solidFill>
+                <a:effectLst/>
+                <a:latin typeface="Arial Black" panose="020B0A04020102020204" pitchFamily="34" charset="0"/>
+              </a:rPr>
+              <a:t>Ростислав Иванчев</a:t>
+            </a:r>
+          </a:p>
+          <a:p>
+            <a:pPr>
+              <a:buNone/>
+            </a:pPr>
+            <a:br>
+              <a:rPr lang="bg-BG" b="0" i="0" dirty="0">
+                <a:effectLst/>
+                <a:latin typeface="Segoe UI" panose="020B0502040204020203" pitchFamily="34" charset="0"/>
+              </a:rPr>
+            </a:br>
+            <a:endParaRPr lang="en-AU" dirty="0"/>
+          </a:p>
+        </p:txBody>
+      </p:sp>
+      <p:pic>
+        <p:nvPicPr>
+          <p:cNvPr id="1028" name="Picture 4" descr="https://avatars.githubusercontent.com/u/207763448?v=4"/>
           <p:cNvPicPr>
-            <a:picLocks noChangeAspect="1"/>
+            <a:picLocks noChangeAspect="1" noChangeArrowheads="1"/>
           </p:cNvPicPr>
           <p:nvPr/>
         </p:nvPicPr>
         <p:blipFill>
-          <a:blip r:embed="rId4"/>
+          <a:blip r:embed="rId5">
+            <a:extLst>
+              <a:ext uri="{28A0092B-C50C-407E-A947-70E740481C1C}">
+                <a14:useLocalDpi xmlns:a14="http://schemas.microsoft.com/office/drawing/2010/main" val="0"/>
+              </a:ext>
+            </a:extLst>
+          </a:blip>
+          <a:srcRect/>
           <a:stretch>
             <a:fillRect/>
           </a:stretch>
         </p:blipFill>
-        <p:spPr>
-          <a:xfrm>
-            <a:off x="6351647" y="1906523"/>
-            <a:ext cx="1703832" cy="1754124"/>
+        <p:spPr bwMode="auto">
+          <a:xfrm>
+            <a:off x="3551883" y="1805941"/>
+            <a:ext cx="1904997" cy="1904997"/>
           </a:xfrm>
           <a:prstGeom prst="ellipse">
             <a:avLst/>
@@ -6320,32 +7335,42 @@
               <a:srgbClr val="333333"/>
             </a:contourClr>
           </a:sp3d>
+          <a:extLst>
+            <a:ext uri="{909E8E84-426E-40DD-AFC4-6F175D3DCCD1}">
+              <a14:hiddenFill xmlns:a14="http://schemas.microsoft.com/office/drawing/2010/main">
+                <a:solidFill>
+                  <a:srgbClr val="FFFFFF"/>
+                </a:solidFill>
+              </a14:hiddenFill>
+            </a:ext>
+          </a:extLst>
         </p:spPr>
       </p:pic>
       <p:pic>
         <p:nvPicPr>
-          <p:cNvPr id="18" name="Picture 17">
-            <a:extLst>
-              <a:ext uri="{FF2B5EF4-FFF2-40B4-BE49-F238E27FC236}">
-                <a16:creationId xmlns:a16="http://schemas.microsoft.com/office/drawing/2014/main" id="{719033E6-B901-16C3-871B-F3BCB2A536B0}"/>
-              </a:ext>
-            </a:extLst>
-          </p:cNvPr>
+          <p:cNvPr id="1030" name="Picture 6" descr="https://avatars.githubusercontent.com/u/181150574?s=400&amp;u=268fc389852a9686530eed154b2d27484db494ff&amp;v=4"/>
           <p:cNvPicPr>
-            <a:picLocks noChangeAspect="1"/>
+            <a:picLocks noChangeAspect="1" noChangeArrowheads="1"/>
           </p:cNvPicPr>
           <p:nvPr/>
         </p:nvPicPr>
         <p:blipFill>
-          <a:blip r:embed="rId5"/>
+          <a:blip r:embed="rId6">
+            <a:extLst>
+              <a:ext uri="{28A0092B-C50C-407E-A947-70E740481C1C}">
+                <a14:useLocalDpi xmlns:a14="http://schemas.microsoft.com/office/drawing/2010/main" val="0"/>
+              </a:ext>
+            </a:extLst>
+          </a:blip>
+          <a:srcRect/>
           <a:stretch>
             <a:fillRect/>
           </a:stretch>
         </p:blipFill>
-        <p:spPr>
-          <a:xfrm>
-            <a:off x="9116561" y="1805941"/>
-            <a:ext cx="1891283" cy="1854706"/>
+        <p:spPr bwMode="auto">
+          <a:xfrm>
+            <a:off x="6351646" y="1830325"/>
+            <a:ext cx="1904997" cy="1904997"/>
           </a:xfrm>
           <a:prstGeom prst="ellipse">
             <a:avLst/>
@@ -6374,684 +7399,6 @@
               <a:srgbClr val="333333"/>
             </a:contourClr>
           </a:sp3d>
-        </p:spPr>
-      </p:pic>
-      <p:sp>
-        <p:nvSpPr>
-          <p:cNvPr id="20" name="TextBox 19">
-            <a:extLst>
-              <a:ext uri="{FF2B5EF4-FFF2-40B4-BE49-F238E27FC236}">
-                <a16:creationId xmlns:a16="http://schemas.microsoft.com/office/drawing/2014/main" id="{5F82F599-D71B-90E2-8C6E-AE7C597F8477}"/>
-              </a:ext>
-            </a:extLst>
-          </p:cNvPr>
-          <p:cNvSpPr txBox="1"/>
-          <p:nvPr/>
-        </p:nvSpPr>
-        <p:spPr>
-          <a:xfrm>
-            <a:off x="668651" y="3961214"/>
-            <a:ext cx="2348869" cy="369332"/>
-          </a:xfrm>
-          <a:prstGeom prst="rect">
-            <a:avLst/>
-          </a:prstGeom>
-          <a:noFill/>
-        </p:spPr>
-        <p:txBody>
-          <a:bodyPr wrap="square">
-            <a:spAutoFit/>
-          </a:bodyPr>
-          <a:lstStyle/>
-          <a:p>
-            <a:r>
-              <a:rPr lang="bg-BG" dirty="0"/>
-              <a:t>Алтай  </a:t>
-            </a:r>
-            <a:r>
-              <a:rPr lang="bg-BG" dirty="0" err="1"/>
-              <a:t>Йеменджиев</a:t>
-            </a:r>
-            <a:endParaRPr lang="en-AU" dirty="0"/>
-          </a:p>
-        </p:txBody>
-      </p:sp>
-      <p:sp>
-        <p:nvSpPr>
-          <p:cNvPr id="22" name="TextBox 21">
-            <a:extLst>
-              <a:ext uri="{FF2B5EF4-FFF2-40B4-BE49-F238E27FC236}">
-                <a16:creationId xmlns:a16="http://schemas.microsoft.com/office/drawing/2014/main" id="{5E445CB1-93AB-C4A0-63DE-69211C9716AB}"/>
-              </a:ext>
-            </a:extLst>
-          </p:cNvPr>
-          <p:cNvSpPr txBox="1"/>
-          <p:nvPr/>
-        </p:nvSpPr>
-        <p:spPr>
-          <a:xfrm>
-            <a:off x="3486150" y="3961214"/>
-            <a:ext cx="2722626" cy="369332"/>
-          </a:xfrm>
-          <a:prstGeom prst="rect">
-            <a:avLst/>
-          </a:prstGeom>
-          <a:noFill/>
-        </p:spPr>
-        <p:txBody>
-          <a:bodyPr wrap="square">
-            <a:spAutoFit/>
-          </a:bodyPr>
-          <a:lstStyle/>
-          <a:p>
-            <a:r>
-              <a:rPr lang="bg-BG" dirty="0"/>
-              <a:t>Мирослав  Илиев</a:t>
-            </a:r>
-            <a:endParaRPr lang="en-AU" dirty="0"/>
-          </a:p>
-        </p:txBody>
-      </p:sp>
-      <p:sp>
-        <p:nvSpPr>
-          <p:cNvPr id="24" name="TextBox 23">
-            <a:extLst>
-              <a:ext uri="{FF2B5EF4-FFF2-40B4-BE49-F238E27FC236}">
-                <a16:creationId xmlns:a16="http://schemas.microsoft.com/office/drawing/2014/main" id="{BED30AAA-D9F9-E1DF-F609-681B6C47D1A9}"/>
-              </a:ext>
-            </a:extLst>
-          </p:cNvPr>
-          <p:cNvSpPr txBox="1"/>
-          <p:nvPr/>
-        </p:nvSpPr>
-        <p:spPr>
-          <a:xfrm>
-            <a:off x="6351647" y="3660647"/>
-            <a:ext cx="2348869" cy="646331"/>
-          </a:xfrm>
-          <a:prstGeom prst="rect">
-            <a:avLst/>
-          </a:prstGeom>
-          <a:noFill/>
-        </p:spPr>
-        <p:txBody>
-          <a:bodyPr wrap="square">
-            <a:spAutoFit/>
-          </a:bodyPr>
-          <a:lstStyle/>
-          <a:p>
-            <a:br>
-              <a:rPr lang="bg-BG" dirty="0"/>
-            </a:br>
-            <a:r>
-              <a:rPr lang="bg-BG" b="1" i="0" dirty="0">
-                <a:solidFill>
-                  <a:srgbClr val="FFFFFF"/>
-                </a:solidFill>
-                <a:effectLst/>
-                <a:latin typeface="Segoe UI" panose="020B0502040204020203" pitchFamily="34" charset="0"/>
-              </a:rPr>
-              <a:t>Иван  Трифонов</a:t>
-            </a:r>
-            <a:endParaRPr lang="en-AU" dirty="0"/>
-          </a:p>
-        </p:txBody>
-      </p:sp>
-      <p:sp>
-        <p:nvSpPr>
-          <p:cNvPr id="26" name="TextBox 25">
-            <a:extLst>
-              <a:ext uri="{FF2B5EF4-FFF2-40B4-BE49-F238E27FC236}">
-                <a16:creationId xmlns:a16="http://schemas.microsoft.com/office/drawing/2014/main" id="{895C7FC3-FE9B-B06B-69BA-676F1D5F1C44}"/>
-              </a:ext>
-            </a:extLst>
-          </p:cNvPr>
-          <p:cNvSpPr txBox="1"/>
-          <p:nvPr/>
-        </p:nvSpPr>
-        <p:spPr>
-          <a:xfrm>
-            <a:off x="8987405" y="3961214"/>
-            <a:ext cx="6094476" cy="954107"/>
-          </a:xfrm>
-          <a:prstGeom prst="rect">
-            <a:avLst/>
-          </a:prstGeom>
-          <a:noFill/>
-        </p:spPr>
-        <p:txBody>
-          <a:bodyPr wrap="square">
-            <a:spAutoFit/>
-          </a:bodyPr>
-          <a:lstStyle/>
-          <a:p>
-            <a:pPr algn="l">
-              <a:lnSpc>
-                <a:spcPts val="2400"/>
-              </a:lnSpc>
-              <a:buNone/>
-            </a:pPr>
-            <a:r>
-              <a:rPr lang="bg-BG" b="1" i="0" dirty="0">
-                <a:solidFill>
-                  <a:srgbClr val="FFFFFF"/>
-                </a:solidFill>
-                <a:effectLst/>
-                <a:latin typeface="Segoe UI" panose="020B0502040204020203" pitchFamily="34" charset="0"/>
-              </a:rPr>
-              <a:t>Ростислав Иванчев</a:t>
-            </a:r>
-          </a:p>
-          <a:p>
-            <a:pPr>
-              <a:buNone/>
-            </a:pPr>
-            <a:br>
-              <a:rPr lang="bg-BG" b="0" i="0" dirty="0">
-                <a:effectLst/>
-                <a:latin typeface="Segoe UI" panose="020B0502040204020203" pitchFamily="34" charset="0"/>
-              </a:rPr>
-            </a:br>
-            <a:endParaRPr lang="en-AU" dirty="0"/>
-          </a:p>
-        </p:txBody>
-      </p:sp>
-    </p:spTree>
-    <p:extLst>
-      <p:ext uri="{BB962C8B-B14F-4D97-AF65-F5344CB8AC3E}">
-        <p14:creationId xmlns:p14="http://schemas.microsoft.com/office/powerpoint/2010/main" val="2138520515"/>
-      </p:ext>
-    </p:extLst>
-  </p:cSld>
-  <p:clrMapOvr>
-    <a:masterClrMapping/>
-  </p:clrMapOvr>
-</p:sld>
-</file>
-
-<file path=ppt/slides/slide3.xml><?xml version="1.0" encoding="utf-8"?>
-<p:sld xmlns:a="http://schemas.openxmlformats.org/drawingml/2006/main" xmlns:r="http://schemas.openxmlformats.org/officeDocument/2006/relationships" xmlns:p="http://schemas.openxmlformats.org/presentationml/2006/main">
-  <p:cSld>
-    <p:spTree>
-      <p:nvGrpSpPr>
-        <p:cNvPr id="1" name=""/>
-        <p:cNvGrpSpPr/>
-        <p:nvPr/>
-      </p:nvGrpSpPr>
-      <p:grpSpPr>
-        <a:xfrm>
-          <a:off x="0" y="0"/>
-          <a:ext cx="0" cy="0"/>
-          <a:chOff x="0" y="0"/>
-          <a:chExt cx="0" cy="0"/>
-        </a:xfrm>
-      </p:grpSpPr>
-      <p:sp>
-        <p:nvSpPr>
-          <p:cNvPr id="2" name="Title 1">
-            <a:extLst>
-              <a:ext uri="{FF2B5EF4-FFF2-40B4-BE49-F238E27FC236}">
-                <a16:creationId xmlns:a16="http://schemas.microsoft.com/office/drawing/2014/main" id="{7F109013-B110-D96A-B7CA-5820C5EFE386}"/>
-              </a:ext>
-            </a:extLst>
-          </p:cNvPr>
-          <p:cNvSpPr>
-            <a:spLocks noGrp="1"/>
-          </p:cNvSpPr>
-          <p:nvPr>
-            <p:ph type="title"/>
-          </p:nvPr>
-        </p:nvSpPr>
-        <p:spPr/>
-        <p:txBody>
-          <a:bodyPr/>
-          <a:lstStyle/>
-          <a:p>
-            <a:r>
-              <a:rPr lang="bg-BG" dirty="0"/>
-              <a:t>Използвани технологии</a:t>
-            </a:r>
-            <a:endParaRPr lang="en-AU" dirty="0"/>
-          </a:p>
-        </p:txBody>
-      </p:sp>
-      <p:sp>
-        <p:nvSpPr>
-          <p:cNvPr id="11" name="Content Placeholder 10">
-            <a:extLst>
-              <a:ext uri="{FF2B5EF4-FFF2-40B4-BE49-F238E27FC236}">
-                <a16:creationId xmlns:a16="http://schemas.microsoft.com/office/drawing/2014/main" id="{89489540-7430-762C-2483-57D866C5A3C7}"/>
-              </a:ext>
-            </a:extLst>
-          </p:cNvPr>
-          <p:cNvSpPr>
-            <a:spLocks noGrp="1"/>
-          </p:cNvSpPr>
-          <p:nvPr>
-            <p:ph idx="1"/>
-          </p:nvPr>
-        </p:nvSpPr>
-        <p:spPr>
-          <a:xfrm>
-            <a:off x="11652690" y="200838"/>
-            <a:ext cx="245702" cy="4058751"/>
-          </a:xfrm>
-        </p:spPr>
-        <p:txBody>
-          <a:bodyPr/>
-          <a:lstStyle/>
-          <a:p>
-            <a:endParaRPr lang="en-AU" dirty="0"/>
-          </a:p>
-        </p:txBody>
-      </p:sp>
-      <p:grpSp>
-        <p:nvGrpSpPr>
-          <p:cNvPr id="12" name="Group 11">
-            <a:extLst>
-              <a:ext uri="{FF2B5EF4-FFF2-40B4-BE49-F238E27FC236}">
-                <a16:creationId xmlns:a16="http://schemas.microsoft.com/office/drawing/2014/main" id="{E3E08B2D-E05E-3615-68C7-A14B0710B3F7}"/>
-              </a:ext>
-            </a:extLst>
-          </p:cNvPr>
-          <p:cNvGrpSpPr/>
-          <p:nvPr/>
-        </p:nvGrpSpPr>
-        <p:grpSpPr>
-          <a:xfrm>
-            <a:off x="1357045" y="4576192"/>
-            <a:ext cx="3749816" cy="1565269"/>
-            <a:chOff x="1477" y="1938"/>
-            <a:chExt cx="4776" cy="985"/>
-          </a:xfrm>
-        </p:grpSpPr>
-        <p:pic>
-          <p:nvPicPr>
-            <p:cNvPr id="13" name="Picture 12" descr="Discordo">
-              <a:extLst>
-                <a:ext uri="{FF2B5EF4-FFF2-40B4-BE49-F238E27FC236}">
-                  <a16:creationId xmlns:a16="http://schemas.microsoft.com/office/drawing/2014/main" id="{9AF05890-CAB1-4FB5-F581-E77016F63A18}"/>
-                </a:ext>
-              </a:extLst>
-            </p:cNvPr>
-            <p:cNvPicPr>
-              <a:picLocks noChangeAspect="1"/>
-            </p:cNvPicPr>
-            <p:nvPr/>
-          </p:nvPicPr>
-          <p:blipFill>
-            <a:blip r:embed="rId2"/>
-            <a:stretch>
-              <a:fillRect/>
-            </a:stretch>
-          </p:blipFill>
-          <p:spPr>
-            <a:xfrm>
-              <a:off x="1477" y="1938"/>
-              <a:ext cx="1296" cy="985"/>
-            </a:xfrm>
-            <a:prstGeom prst="rect">
-              <a:avLst/>
-            </a:prstGeom>
-          </p:spPr>
-        </p:pic>
-        <p:sp>
-          <p:nvSpPr>
-            <p:cNvPr id="16" name="Text Box 9">
-              <a:extLst>
-                <a:ext uri="{FF2B5EF4-FFF2-40B4-BE49-F238E27FC236}">
-                  <a16:creationId xmlns:a16="http://schemas.microsoft.com/office/drawing/2014/main" id="{6AE49D70-8503-14D4-7E7A-8A2D0FCBD935}"/>
-                </a:ext>
-              </a:extLst>
-            </p:cNvPr>
-            <p:cNvSpPr txBox="1"/>
-            <p:nvPr/>
-          </p:nvSpPr>
-          <p:spPr>
-            <a:xfrm>
-              <a:off x="3420" y="1945"/>
-              <a:ext cx="2833" cy="628"/>
-            </a:xfrm>
-            <a:prstGeom prst="rect">
-              <a:avLst/>
-            </a:prstGeom>
-            <a:noFill/>
-          </p:spPr>
-          <p:txBody>
-            <a:bodyPr wrap="square" rtlCol="0">
-              <a:spAutoFit/>
-            </a:bodyPr>
-            <a:lstStyle>
-              <a:defPPr>
-                <a:defRPr lang="en-US"/>
-              </a:defPPr>
-              <a:lvl1pPr marL="0" algn="l" defTabSz="914400" rtl="0" eaLnBrk="1" latinLnBrk="0" hangingPunct="1">
-                <a:defRPr sz="1800" kern="1200">
-                  <a:solidFill>
-                    <a:schemeClr val="tx1"/>
-                  </a:solidFill>
-                  <a:latin typeface="+mn-lt"/>
-                  <a:ea typeface="+mn-ea"/>
-                  <a:cs typeface="+mn-cs"/>
-                </a:defRPr>
-              </a:lvl1pPr>
-              <a:lvl2pPr marL="457200" algn="l" defTabSz="914400" rtl="0" eaLnBrk="1" latinLnBrk="0" hangingPunct="1">
-                <a:defRPr sz="1800" kern="1200">
-                  <a:solidFill>
-                    <a:schemeClr val="tx1"/>
-                  </a:solidFill>
-                  <a:latin typeface="+mn-lt"/>
-                  <a:ea typeface="+mn-ea"/>
-                  <a:cs typeface="+mn-cs"/>
-                </a:defRPr>
-              </a:lvl2pPr>
-              <a:lvl3pPr marL="914400" algn="l" defTabSz="914400" rtl="0" eaLnBrk="1" latinLnBrk="0" hangingPunct="1">
-                <a:defRPr sz="1800" kern="1200">
-                  <a:solidFill>
-                    <a:schemeClr val="tx1"/>
-                  </a:solidFill>
-                  <a:latin typeface="+mn-lt"/>
-                  <a:ea typeface="+mn-ea"/>
-                  <a:cs typeface="+mn-cs"/>
-                </a:defRPr>
-              </a:lvl3pPr>
-              <a:lvl4pPr marL="1371600" algn="l" defTabSz="914400" rtl="0" eaLnBrk="1" latinLnBrk="0" hangingPunct="1">
-                <a:defRPr sz="1800" kern="1200">
-                  <a:solidFill>
-                    <a:schemeClr val="tx1"/>
-                  </a:solidFill>
-                  <a:latin typeface="+mn-lt"/>
-                  <a:ea typeface="+mn-ea"/>
-                  <a:cs typeface="+mn-cs"/>
-                </a:defRPr>
-              </a:lvl4pPr>
-              <a:lvl5pPr marL="1828800" algn="l" defTabSz="914400" rtl="0" eaLnBrk="1" latinLnBrk="0" hangingPunct="1">
-                <a:defRPr sz="1800" kern="1200">
-                  <a:solidFill>
-                    <a:schemeClr val="tx1"/>
-                  </a:solidFill>
-                  <a:latin typeface="+mn-lt"/>
-                  <a:ea typeface="+mn-ea"/>
-                  <a:cs typeface="+mn-cs"/>
-                </a:defRPr>
-              </a:lvl5pPr>
-              <a:lvl6pPr marL="2286000" algn="l" defTabSz="914400" rtl="0" eaLnBrk="1" latinLnBrk="0" hangingPunct="1">
-                <a:defRPr sz="1800" kern="1200">
-                  <a:solidFill>
-                    <a:schemeClr val="tx1"/>
-                  </a:solidFill>
-                  <a:latin typeface="+mn-lt"/>
-                  <a:ea typeface="+mn-ea"/>
-                  <a:cs typeface="+mn-cs"/>
-                </a:defRPr>
-              </a:lvl6pPr>
-              <a:lvl7pPr marL="2743200" algn="l" defTabSz="914400" rtl="0" eaLnBrk="1" latinLnBrk="0" hangingPunct="1">
-                <a:defRPr sz="1800" kern="1200">
-                  <a:solidFill>
-                    <a:schemeClr val="tx1"/>
-                  </a:solidFill>
-                  <a:latin typeface="+mn-lt"/>
-                  <a:ea typeface="+mn-ea"/>
-                  <a:cs typeface="+mn-cs"/>
-                </a:defRPr>
-              </a:lvl7pPr>
-              <a:lvl8pPr marL="3200400" algn="l" defTabSz="914400" rtl="0" eaLnBrk="1" latinLnBrk="0" hangingPunct="1">
-                <a:defRPr sz="1800" kern="1200">
-                  <a:solidFill>
-                    <a:schemeClr val="tx1"/>
-                  </a:solidFill>
-                  <a:latin typeface="+mn-lt"/>
-                  <a:ea typeface="+mn-ea"/>
-                  <a:cs typeface="+mn-cs"/>
-                </a:defRPr>
-              </a:lvl8pPr>
-              <a:lvl9pPr marL="3657600" algn="l" defTabSz="914400" rtl="0" eaLnBrk="1" latinLnBrk="0" hangingPunct="1">
-                <a:defRPr sz="1800" kern="1200">
-                  <a:solidFill>
-                    <a:schemeClr val="tx1"/>
-                  </a:solidFill>
-                  <a:latin typeface="+mn-lt"/>
-                  <a:ea typeface="+mn-ea"/>
-                  <a:cs typeface="+mn-cs"/>
-                </a:defRPr>
-              </a:lvl9pPr>
-            </a:lstStyle>
-            <a:p>
-              <a:endParaRPr lang="en-US" sz="2000" b="1" dirty="0">
-                <a:solidFill>
-                  <a:schemeClr val="accent6">
-                    <a:lumMod val="50000"/>
-                  </a:schemeClr>
-                </a:solidFill>
-                <a:latin typeface="Bahnschrift Light" panose="020B0502040204020203" charset="0"/>
-                <a:cs typeface="Bahnschrift Light" panose="020B0502040204020203" charset="0"/>
-              </a:endParaRPr>
-            </a:p>
-          </p:txBody>
-        </p:sp>
-      </p:grpSp>
-      <p:pic>
-        <p:nvPicPr>
-          <p:cNvPr id="18" name="Picture 17" descr="Icon&#10;&#10;Description automatically generated">
-            <a:extLst>
-              <a:ext uri="{FF2B5EF4-FFF2-40B4-BE49-F238E27FC236}">
-                <a16:creationId xmlns:a16="http://schemas.microsoft.com/office/drawing/2014/main" id="{4EAC66C1-4543-A21C-ED6C-71A8D7AD9D4A}"/>
-              </a:ext>
-            </a:extLst>
-          </p:cNvPr>
-          <p:cNvPicPr>
-            <a:picLocks noChangeAspect="1"/>
-          </p:cNvPicPr>
-          <p:nvPr/>
-        </p:nvPicPr>
-        <p:blipFill>
-          <a:blip r:embed="rId3"/>
-          <a:stretch>
-            <a:fillRect/>
-          </a:stretch>
-        </p:blipFill>
-        <p:spPr>
-          <a:xfrm>
-            <a:off x="3874251" y="2230213"/>
-            <a:ext cx="1748785" cy="1511000"/>
-          </a:xfrm>
-          <a:prstGeom prst="rect">
-            <a:avLst/>
-          </a:prstGeom>
-        </p:spPr>
-      </p:pic>
-      <p:pic>
-        <p:nvPicPr>
-          <p:cNvPr id="19" name="Picture 18">
-            <a:extLst>
-              <a:ext uri="{FF2B5EF4-FFF2-40B4-BE49-F238E27FC236}">
-                <a16:creationId xmlns:a16="http://schemas.microsoft.com/office/drawing/2014/main" id="{963BCBCE-2673-1AD3-BCB2-56FC994BAD1E}"/>
-              </a:ext>
-            </a:extLst>
-          </p:cNvPr>
-          <p:cNvPicPr>
-            <a:picLocks noChangeAspect="1"/>
-          </p:cNvPicPr>
-          <p:nvPr/>
-        </p:nvPicPr>
-        <p:blipFill>
-          <a:blip r:embed="rId4"/>
-          <a:stretch>
-            <a:fillRect/>
-          </a:stretch>
-        </p:blipFill>
-        <p:spPr>
-          <a:xfrm>
-            <a:off x="8142581" y="1580050"/>
-            <a:ext cx="2171365" cy="1511000"/>
-          </a:xfrm>
-          <a:prstGeom prst="rect">
-            <a:avLst/>
-          </a:prstGeom>
-        </p:spPr>
-      </p:pic>
-      <p:pic>
-        <p:nvPicPr>
-          <p:cNvPr id="20" name="Picture 19">
-            <a:extLst>
-              <a:ext uri="{FF2B5EF4-FFF2-40B4-BE49-F238E27FC236}">
-                <a16:creationId xmlns:a16="http://schemas.microsoft.com/office/drawing/2014/main" id="{B17C5855-F2DE-EA22-4D7A-1326CE67DE6F}"/>
-              </a:ext>
-            </a:extLst>
-          </p:cNvPr>
-          <p:cNvPicPr>
-            <a:picLocks noChangeAspect="1"/>
-          </p:cNvPicPr>
-          <p:nvPr/>
-        </p:nvPicPr>
-        <p:blipFill>
-          <a:blip r:embed="rId5">
-            <a:extLst>
-              <a:ext uri="{BEBA8EAE-BF5A-486C-A8C5-ECC9F3942E4B}">
-                <a14:imgProps xmlns:a14="http://schemas.microsoft.com/office/drawing/2010/main">
-                  <a14:imgLayer r:embed="rId6">
-                    <a14:imgEffect>
-                      <a14:backgroundRemoval t="5650" b="93785" l="9507" r="89789">
-                        <a14:foregroundMark x1="32746" y1="86441" x2="66197" y2="94350"/>
-                        <a14:foregroundMark x1="27817" y1="66667" x2="39789" y2="37853"/>
-                        <a14:foregroundMark x1="39789" y1="37853" x2="29577" y2="51412"/>
-                        <a14:foregroundMark x1="32746" y1="37853" x2="33451" y2="38983"/>
-                        <a14:foregroundMark x1="27817" y1="36723" x2="30282" y2="65537"/>
-                        <a14:foregroundMark x1="30282" y1="65537" x2="30986" y2="55367"/>
-                        <a14:foregroundMark x1="41901" y1="44068" x2="39437" y2="49153"/>
-                        <a14:foregroundMark x1="35211" y1="9040" x2="56338" y2="5650"/>
-                        <a14:foregroundMark x1="56338" y1="5650" x2="66901" y2="9605"/>
-                      </a14:backgroundRemoval>
-                    </a14:imgEffect>
-                  </a14:imgLayer>
-                </a14:imgProps>
-              </a:ext>
-            </a:extLst>
-          </a:blip>
-          <a:stretch>
-            <a:fillRect/>
-          </a:stretch>
-        </p:blipFill>
-        <p:spPr>
-          <a:xfrm>
-            <a:off x="4635520" y="4515863"/>
-            <a:ext cx="2705100" cy="1685925"/>
-          </a:xfrm>
-          <a:prstGeom prst="rect">
-            <a:avLst/>
-          </a:prstGeom>
-        </p:spPr>
-      </p:pic>
-      <p:pic>
-        <p:nvPicPr>
-          <p:cNvPr id="21" name="Picture 20">
-            <a:extLst>
-              <a:ext uri="{FF2B5EF4-FFF2-40B4-BE49-F238E27FC236}">
-                <a16:creationId xmlns:a16="http://schemas.microsoft.com/office/drawing/2014/main" id="{90F212EF-485C-6D6C-766C-2ED5BCB08816}"/>
-              </a:ext>
-            </a:extLst>
-          </p:cNvPr>
-          <p:cNvPicPr>
-            <a:picLocks noChangeAspect="1"/>
-          </p:cNvPicPr>
-          <p:nvPr/>
-        </p:nvPicPr>
-        <p:blipFill>
-          <a:blip r:embed="rId7">
-            <a:extLst>
-              <a:ext uri="{BEBA8EAE-BF5A-486C-A8C5-ECC9F3942E4B}">
-                <a14:imgProps xmlns:a14="http://schemas.microsoft.com/office/drawing/2010/main">
-                  <a14:imgLayer r:embed="rId8">
-                    <a14:imgEffect>
-                      <a14:backgroundRemoval t="4000" b="90667" l="8889" r="92000">
-                        <a14:foregroundMark x1="5333" y1="29778" x2="9333" y2="57333"/>
-                        <a14:foregroundMark x1="9333" y1="57333" x2="12889" y2="31111"/>
-                        <a14:foregroundMark x1="72444" y1="11111" x2="87111" y2="42222"/>
-                        <a14:foregroundMark x1="87111" y1="42222" x2="84444" y2="68444"/>
-                        <a14:foregroundMark x1="84444" y1="68444" x2="72444" y2="44889"/>
-                        <a14:foregroundMark x1="72444" y1="44889" x2="78667" y2="22222"/>
-                        <a14:foregroundMark x1="78667" y1="22222" x2="85333" y2="50222"/>
-                        <a14:foregroundMark x1="85333" y1="50222" x2="84000" y2="74667"/>
-                        <a14:foregroundMark x1="91111" y1="75556" x2="92444" y2="24000"/>
-                        <a14:foregroundMark x1="64444" y1="91111" x2="74667" y2="91111"/>
-                        <a14:foregroundMark x1="63556" y1="8889" x2="69778" y2="4000"/>
-                      </a14:backgroundRemoval>
-                    </a14:imgEffect>
-                  </a14:imgLayer>
-                </a14:imgProps>
-              </a:ext>
-            </a:extLst>
-          </a:blip>
-          <a:stretch>
-            <a:fillRect/>
-          </a:stretch>
-        </p:blipFill>
-        <p:spPr>
-          <a:xfrm>
-            <a:off x="739442" y="1281613"/>
-            <a:ext cx="2143125" cy="2143125"/>
-          </a:xfrm>
-          <a:prstGeom prst="rect">
-            <a:avLst/>
-          </a:prstGeom>
-        </p:spPr>
-      </p:pic>
-      <p:pic>
-        <p:nvPicPr>
-          <p:cNvPr id="2064" name="Picture 16" descr="GitHub Logos and Usage · GitHub">
-            <a:extLst>
-              <a:ext uri="{FF2B5EF4-FFF2-40B4-BE49-F238E27FC236}">
-                <a16:creationId xmlns:a16="http://schemas.microsoft.com/office/drawing/2014/main" id="{7EDB45E9-A37C-8D9F-8AB6-378B535D8817}"/>
-              </a:ext>
-            </a:extLst>
-          </p:cNvPr>
-          <p:cNvPicPr>
-            <a:picLocks noChangeAspect="1" noChangeArrowheads="1"/>
-          </p:cNvPicPr>
-          <p:nvPr/>
-        </p:nvPicPr>
-        <p:blipFill>
-          <a:blip r:embed="rId9">
-            <a:extLst>
-              <a:ext uri="{BEBA8EAE-BF5A-486C-A8C5-ECC9F3942E4B}">
-                <a14:imgProps xmlns:a14="http://schemas.microsoft.com/office/drawing/2010/main">
-                  <a14:imgLayer r:embed="rId10">
-                    <a14:imgEffect>
-                      <a14:backgroundRemoval t="10000" b="90000" l="10000" r="90000">
-                        <a14:foregroundMark x1="44196" y1="82589" x2="38393" y2="54464"/>
-                        <a14:foregroundMark x1="38393" y1="54464" x2="65179" y2="37054"/>
-                        <a14:foregroundMark x1="65179" y1="37054" x2="50893" y2="49554"/>
-                        <a14:foregroundMark x1="48661" y1="58929" x2="40179" y2="37946"/>
-                        <a14:foregroundMark x1="40179" y1="37946" x2="33482" y2="49107"/>
-                        <a14:foregroundMark x1="65179" y1="39732" x2="53571" y2="68304"/>
-                        <a14:foregroundMark x1="53571" y1="68304" x2="53571" y2="77679"/>
-                        <a14:foregroundMark x1="39286" y1="84821" x2="53125" y2="82589"/>
-                        <a14:foregroundMark x1="58036" y1="83036" x2="39286" y2="85268"/>
-                        <a14:foregroundMark x1="58929" y1="86607" x2="39286" y2="87500"/>
-                      </a14:backgroundRemoval>
-                    </a14:imgEffect>
-                  </a14:imgLayer>
-                </a14:imgProps>
-              </a:ext>
-              <a:ext uri="{28A0092B-C50C-407E-A947-70E740481C1C}">
-                <a14:useLocalDpi xmlns:a14="http://schemas.microsoft.com/office/drawing/2010/main" val="0"/>
-              </a:ext>
-            </a:extLst>
-          </a:blip>
-          <a:srcRect/>
-          <a:stretch>
-            <a:fillRect/>
-          </a:stretch>
-        </p:blipFill>
-        <p:spPr bwMode="auto">
-          <a:xfrm>
-            <a:off x="8534757" y="3766951"/>
-            <a:ext cx="2133600" cy="2133600"/>
-          </a:xfrm>
-          <a:prstGeom prst="rect">
-            <a:avLst/>
-          </a:prstGeom>
-          <a:noFill/>
           <a:extLst>
             <a:ext uri="{909E8E84-426E-40DD-AFC4-6F175D3DCCD1}">
               <a14:hiddenFill xmlns:a14="http://schemas.microsoft.com/office/drawing/2010/main">
@@ -7063,10 +7410,250 @@
           </a:extLst>
         </p:spPr>
       </p:pic>
+      <p:sp>
+        <p:nvSpPr>
+          <p:cNvPr id="6" name="Правоъгълник 5"/>
+          <p:cNvSpPr/>
+          <p:nvPr/>
+        </p:nvSpPr>
+        <p:spPr>
+          <a:xfrm>
+            <a:off x="751438" y="4580822"/>
+            <a:ext cx="2196095" cy="497941"/>
+          </a:xfrm>
+          <a:prstGeom prst="rect">
+            <a:avLst/>
+          </a:prstGeom>
+        </p:spPr>
+        <p:style>
+          <a:lnRef idx="2">
+            <a:schemeClr val="accent1">
+              <a:shade val="50000"/>
+            </a:schemeClr>
+          </a:lnRef>
+          <a:fillRef idx="1">
+            <a:schemeClr val="accent1"/>
+          </a:fillRef>
+          <a:effectRef idx="0">
+            <a:schemeClr val="accent1"/>
+          </a:effectRef>
+          <a:fontRef idx="minor">
+            <a:schemeClr val="lt1"/>
+          </a:fontRef>
+        </p:style>
+        <p:txBody>
+          <a:bodyPr rtlCol="0" anchor="ctr"/>
+          <a:lstStyle/>
+          <a:p>
+            <a:pPr algn="ctr"/>
+            <a:r>
+              <a:rPr lang="en-US" b="1" dirty="0">
+                <a:solidFill>
+                  <a:srgbClr val="000000"/>
+                </a:solidFill>
+                <a:latin typeface="Arial Black" panose="020B0A04020102020204" pitchFamily="34" charset="0"/>
+              </a:rPr>
+              <a:t>SCRUM TRAINER</a:t>
+            </a:r>
+            <a:endParaRPr lang="bg-BG" b="1" dirty="0">
+              <a:solidFill>
+                <a:srgbClr val="000000"/>
+              </a:solidFill>
+              <a:latin typeface="Arial Black" panose="020B0A04020102020204" pitchFamily="34" charset="0"/>
+            </a:endParaRPr>
+          </a:p>
+        </p:txBody>
+      </p:sp>
+      <p:sp>
+        <p:nvSpPr>
+          <p:cNvPr id="19" name="Правоъгълник 18"/>
+          <p:cNvSpPr/>
+          <p:nvPr/>
+        </p:nvSpPr>
+        <p:spPr>
+          <a:xfrm>
+            <a:off x="9007265" y="4583607"/>
+            <a:ext cx="2156310" cy="497941"/>
+          </a:xfrm>
+          <a:prstGeom prst="rect">
+            <a:avLst/>
+          </a:prstGeom>
+          <a:solidFill>
+            <a:srgbClr val="FF9900"/>
+          </a:solidFill>
+          <a:ln>
+            <a:solidFill>
+              <a:srgbClr val="FF9900"/>
+            </a:solidFill>
+          </a:ln>
+        </p:spPr>
+        <p:style>
+          <a:lnRef idx="2">
+            <a:schemeClr val="accent1">
+              <a:shade val="50000"/>
+            </a:schemeClr>
+          </a:lnRef>
+          <a:fillRef idx="1">
+            <a:schemeClr val="accent1"/>
+          </a:fillRef>
+          <a:effectRef idx="0">
+            <a:schemeClr val="accent1"/>
+          </a:effectRef>
+          <a:fontRef idx="minor">
+            <a:schemeClr val="lt1"/>
+          </a:fontRef>
+        </p:style>
+        <p:txBody>
+          <a:bodyPr rtlCol="0" anchor="ctr"/>
+          <a:lstStyle/>
+          <a:p>
+            <a:pPr algn="ctr"/>
+            <a:r>
+              <a:rPr lang="en-US" b="1" dirty="0">
+                <a:solidFill>
+                  <a:srgbClr val="000000"/>
+                </a:solidFill>
+                <a:latin typeface="Arial Black" panose="020B0A04020102020204" pitchFamily="34" charset="0"/>
+              </a:rPr>
+              <a:t>FRONTEND DEVELOPER</a:t>
+            </a:r>
+            <a:endParaRPr lang="bg-BG" b="1" dirty="0">
+              <a:solidFill>
+                <a:srgbClr val="000000"/>
+              </a:solidFill>
+              <a:latin typeface="Arial Black" panose="020B0A04020102020204" pitchFamily="34" charset="0"/>
+            </a:endParaRPr>
+          </a:p>
+        </p:txBody>
+      </p:sp>
+      <p:sp>
+        <p:nvSpPr>
+          <p:cNvPr id="21" name="Правоъгълник 20"/>
+          <p:cNvSpPr/>
+          <p:nvPr/>
+        </p:nvSpPr>
+        <p:spPr>
+          <a:xfrm>
+            <a:off x="6225990" y="4580821"/>
+            <a:ext cx="2156310" cy="497941"/>
+          </a:xfrm>
+          <a:prstGeom prst="rect">
+            <a:avLst/>
+          </a:prstGeom>
+          <a:solidFill>
+            <a:srgbClr val="0070C0"/>
+          </a:solidFill>
+          <a:ln>
+            <a:solidFill>
+              <a:srgbClr val="0070C0"/>
+            </a:solidFill>
+          </a:ln>
+        </p:spPr>
+        <p:style>
+          <a:lnRef idx="2">
+            <a:schemeClr val="accent1">
+              <a:shade val="50000"/>
+            </a:schemeClr>
+          </a:lnRef>
+          <a:fillRef idx="1">
+            <a:schemeClr val="accent1"/>
+          </a:fillRef>
+          <a:effectRef idx="0">
+            <a:schemeClr val="accent1"/>
+          </a:effectRef>
+          <a:fontRef idx="minor">
+            <a:schemeClr val="lt1"/>
+          </a:fontRef>
+        </p:style>
+        <p:txBody>
+          <a:bodyPr rtlCol="0" anchor="ctr"/>
+          <a:lstStyle/>
+          <a:p>
+            <a:pPr algn="ctr"/>
+            <a:r>
+              <a:rPr lang="en-US" b="1" dirty="0">
+                <a:solidFill>
+                  <a:srgbClr val="000000"/>
+                </a:solidFill>
+                <a:latin typeface="Arial Black" panose="020B0A04020102020204" pitchFamily="34" charset="0"/>
+              </a:rPr>
+              <a:t>DESIGNER</a:t>
+            </a:r>
+            <a:endParaRPr lang="bg-BG" b="1" dirty="0">
+              <a:solidFill>
+                <a:srgbClr val="000000"/>
+              </a:solidFill>
+              <a:latin typeface="Arial Black" panose="020B0A04020102020204" pitchFamily="34" charset="0"/>
+            </a:endParaRPr>
+          </a:p>
+        </p:txBody>
+      </p:sp>
+      <p:sp>
+        <p:nvSpPr>
+          <p:cNvPr id="23" name="Правоъгълник 22"/>
+          <p:cNvSpPr/>
+          <p:nvPr/>
+        </p:nvSpPr>
+        <p:spPr>
+          <a:xfrm>
+            <a:off x="3486150" y="4580822"/>
+            <a:ext cx="2036464" cy="497941"/>
+          </a:xfrm>
+          <a:prstGeom prst="rect">
+            <a:avLst/>
+          </a:prstGeom>
+          <a:solidFill>
+            <a:srgbClr val="7030A0"/>
+          </a:solidFill>
+          <a:ln>
+            <a:solidFill>
+              <a:srgbClr val="7030A0"/>
+            </a:solidFill>
+          </a:ln>
+        </p:spPr>
+        <p:style>
+          <a:lnRef idx="2">
+            <a:schemeClr val="accent1">
+              <a:shade val="50000"/>
+            </a:schemeClr>
+          </a:lnRef>
+          <a:fillRef idx="1">
+            <a:schemeClr val="accent1"/>
+          </a:fillRef>
+          <a:effectRef idx="0">
+            <a:schemeClr val="accent1"/>
+          </a:effectRef>
+          <a:fontRef idx="minor">
+            <a:schemeClr val="lt1"/>
+          </a:fontRef>
+        </p:style>
+        <p:txBody>
+          <a:bodyPr rtlCol="0" anchor="ctr"/>
+          <a:lstStyle/>
+          <a:p>
+            <a:pPr algn="ctr"/>
+            <a:r>
+              <a:rPr lang="en-US" b="1" dirty="0">
+                <a:solidFill>
+                  <a:srgbClr val="000000"/>
+                </a:solidFill>
+                <a:latin typeface="Arial Black" panose="020B0A04020102020204" pitchFamily="34" charset="0"/>
+              </a:rPr>
+              <a:t>BACK-END DEVELOPER</a:t>
+            </a:r>
+            <a:endParaRPr lang="bg-BG" b="1" dirty="0">
+              <a:solidFill>
+                <a:srgbClr val="000000"/>
+              </a:solidFill>
+              <a:latin typeface="Arial Black" panose="020B0A04020102020204" pitchFamily="34" charset="0"/>
+            </a:endParaRPr>
+          </a:p>
+        </p:txBody>
+      </p:sp>
     </p:spTree>
     <p:extLst>
       <p:ext uri="{BB962C8B-B14F-4D97-AF65-F5344CB8AC3E}">
-        <p14:creationId xmlns:p14="http://schemas.microsoft.com/office/powerpoint/2010/main" val="4214638209"/>
+        <p14:creationId xmlns:p14="http://schemas.microsoft.com/office/powerpoint/2010/main" val="2138520515"/>
       </p:ext>
     </p:extLst>
   </p:cSld>
@@ -7095,6 +7682,340 @@
       </p:grpSpPr>
       <p:sp>
         <p:nvSpPr>
+          <p:cNvPr id="2" name="Заглавие 1"/>
+          <p:cNvSpPr>
+            <a:spLocks noGrp="1"/>
+          </p:cNvSpPr>
+          <p:nvPr>
+            <p:ph type="title"/>
+          </p:nvPr>
+        </p:nvSpPr>
+        <p:spPr>
+          <a:xfrm>
+            <a:off x="958184" y="609600"/>
+            <a:ext cx="10353762" cy="970450"/>
+          </a:xfrm>
+        </p:spPr>
+        <p:txBody>
+          <a:bodyPr/>
+          <a:lstStyle/>
+          <a:p>
+            <a:r>
+              <a:rPr lang="en-US" dirty="0">
+                <a:latin typeface="Arial Black" panose="020B0A04020102020204" pitchFamily="34" charset="0"/>
+              </a:rPr>
+              <a:t>OUR GOAL</a:t>
+            </a:r>
+            <a:endParaRPr lang="bg-BG" dirty="0">
+              <a:latin typeface="Arial Black" panose="020B0A04020102020204" pitchFamily="34" charset="0"/>
+            </a:endParaRPr>
+          </a:p>
+        </p:txBody>
+      </p:sp>
+      <p:sp>
+        <p:nvSpPr>
+          <p:cNvPr id="9" name="Rectangle 8">
+            <a:extLst>
+              <a:ext uri="{FF2B5EF4-FFF2-40B4-BE49-F238E27FC236}">
+                <a16:creationId xmlns:a16="http://schemas.microsoft.com/office/drawing/2014/main" id="{003D439C-EF1D-438D-9B7D-AC46BA149FD0}"/>
+              </a:ext>
+            </a:extLst>
+          </p:cNvPr>
+          <p:cNvSpPr/>
+          <p:nvPr/>
+        </p:nvSpPr>
+        <p:spPr>
+          <a:xfrm>
+            <a:off x="1223963" y="2189650"/>
+            <a:ext cx="9977438" cy="3182450"/>
+          </a:xfrm>
+          <a:prstGeom prst="rect">
+            <a:avLst/>
+          </a:prstGeom>
+        </p:spPr>
+        <p:style>
+          <a:lnRef idx="2">
+            <a:schemeClr val="accent1">
+              <a:shade val="50000"/>
+            </a:schemeClr>
+          </a:lnRef>
+          <a:fillRef idx="1">
+            <a:schemeClr val="accent1"/>
+          </a:fillRef>
+          <a:effectRef idx="0">
+            <a:schemeClr val="accent1"/>
+          </a:effectRef>
+          <a:fontRef idx="minor">
+            <a:schemeClr val="lt1"/>
+          </a:fontRef>
+        </p:style>
+        <p:txBody>
+          <a:bodyPr rtlCol="0" anchor="ctr"/>
+          <a:lstStyle/>
+          <a:p>
+            <a:pPr algn="ctr"/>
+            <a:r>
+              <a:rPr lang="en-US" sz="4800" dirty="0">
+                <a:latin typeface="Arial Black" panose="020B0A04020102020204" pitchFamily="34" charset="0"/>
+              </a:rPr>
+              <a:t>Our goal is for the player to have fun playing our game</a:t>
+            </a:r>
+          </a:p>
+          <a:p>
+            <a:r>
+              <a:rPr lang="en-US" sz="4800" dirty="0">
+                <a:latin typeface="Arial Black" panose="020B0A04020102020204" pitchFamily="34" charset="0"/>
+              </a:rPr>
+              <a:t>and also to test their general education knowledge</a:t>
+            </a:r>
+          </a:p>
+        </p:txBody>
+      </p:sp>
+    </p:spTree>
+    <p:extLst>
+      <p:ext uri="{BB962C8B-B14F-4D97-AF65-F5344CB8AC3E}">
+        <p14:creationId xmlns:p14="http://schemas.microsoft.com/office/powerpoint/2010/main" val="3755111640"/>
+      </p:ext>
+    </p:extLst>
+  </p:cSld>
+  <p:clrMapOvr>
+    <a:masterClrMapping/>
+  </p:clrMapOvr>
+</p:sld>
+</file>
+
+<file path=ppt/slides/slide5.xml><?xml version="1.0" encoding="utf-8"?>
+<p:sld xmlns:a="http://schemas.openxmlformats.org/drawingml/2006/main" xmlns:r="http://schemas.openxmlformats.org/officeDocument/2006/relationships" xmlns:p="http://schemas.openxmlformats.org/presentationml/2006/main">
+  <p:cSld>
+    <p:spTree>
+      <p:nvGrpSpPr>
+        <p:cNvPr id="1" name=""/>
+        <p:cNvGrpSpPr/>
+        <p:nvPr/>
+      </p:nvGrpSpPr>
+      <p:grpSpPr>
+        <a:xfrm>
+          <a:off x="0" y="0"/>
+          <a:ext cx="0" cy="0"/>
+          <a:chOff x="0" y="0"/>
+          <a:chExt cx="0" cy="0"/>
+        </a:xfrm>
+      </p:grpSpPr>
+      <p:sp>
+        <p:nvSpPr>
+          <p:cNvPr id="2" name="Title 1">
+            <a:extLst>
+              <a:ext uri="{FF2B5EF4-FFF2-40B4-BE49-F238E27FC236}">
+                <a16:creationId xmlns:a16="http://schemas.microsoft.com/office/drawing/2014/main" id="{7F109013-B110-D96A-B7CA-5820C5EFE386}"/>
+              </a:ext>
+            </a:extLst>
+          </p:cNvPr>
+          <p:cNvSpPr>
+            <a:spLocks noGrp="1"/>
+          </p:cNvSpPr>
+          <p:nvPr>
+            <p:ph type="title"/>
+          </p:nvPr>
+        </p:nvSpPr>
+        <p:spPr>
+          <a:xfrm>
+            <a:off x="816140" y="237422"/>
+            <a:ext cx="10353762" cy="970450"/>
+          </a:xfrm>
+        </p:spPr>
+        <p:txBody>
+          <a:bodyPr/>
+          <a:lstStyle/>
+          <a:p>
+            <a:r>
+              <a:rPr lang="en-AU" dirty="0"/>
+              <a:t>USED TECHNOLOGIES</a:t>
+            </a:r>
+          </a:p>
+        </p:txBody>
+      </p:sp>
+      <p:pic>
+        <p:nvPicPr>
+          <p:cNvPr id="18" name="Picture 17" descr="Icon&#10;&#10;Description automatically generated">
+            <a:extLst>
+              <a:ext uri="{FF2B5EF4-FFF2-40B4-BE49-F238E27FC236}">
+                <a16:creationId xmlns:a16="http://schemas.microsoft.com/office/drawing/2014/main" id="{4EAC66C1-4543-A21C-ED6C-71A8D7AD9D4A}"/>
+              </a:ext>
+            </a:extLst>
+          </p:cNvPr>
+          <p:cNvPicPr>
+            <a:picLocks noChangeAspect="1"/>
+          </p:cNvPicPr>
+          <p:nvPr/>
+        </p:nvPicPr>
+        <p:blipFill>
+          <a:blip r:embed="rId2"/>
+          <a:stretch>
+            <a:fillRect/>
+          </a:stretch>
+        </p:blipFill>
+        <p:spPr>
+          <a:xfrm>
+            <a:off x="5418629" y="1173378"/>
+            <a:ext cx="2072347" cy="2295118"/>
+          </a:xfrm>
+          <a:prstGeom prst="rect">
+            <a:avLst/>
+          </a:prstGeom>
+        </p:spPr>
+      </p:pic>
+      <p:pic>
+        <p:nvPicPr>
+          <p:cNvPr id="3" name="Картина 2"/>
+          <p:cNvPicPr>
+            <a:picLocks noChangeAspect="1"/>
+          </p:cNvPicPr>
+          <p:nvPr/>
+        </p:nvPicPr>
+        <p:blipFill>
+          <a:blip r:embed="rId3"/>
+          <a:stretch>
+            <a:fillRect/>
+          </a:stretch>
+        </p:blipFill>
+        <p:spPr>
+          <a:xfrm>
+            <a:off x="7197044" y="3616477"/>
+            <a:ext cx="2327725" cy="2276228"/>
+          </a:xfrm>
+          <a:prstGeom prst="rect">
+            <a:avLst/>
+          </a:prstGeom>
+        </p:spPr>
+      </p:pic>
+      <p:pic>
+        <p:nvPicPr>
+          <p:cNvPr id="5" name="Картина 4"/>
+          <p:cNvPicPr>
+            <a:picLocks noChangeAspect="1"/>
+          </p:cNvPicPr>
+          <p:nvPr/>
+        </p:nvPicPr>
+        <p:blipFill>
+          <a:blip r:embed="rId4"/>
+          <a:stretch>
+            <a:fillRect/>
+          </a:stretch>
+        </p:blipFill>
+        <p:spPr>
+          <a:xfrm>
+            <a:off x="30065" y="3468496"/>
+            <a:ext cx="2424209" cy="2424209"/>
+          </a:xfrm>
+          <a:prstGeom prst="rect">
+            <a:avLst/>
+          </a:prstGeom>
+        </p:spPr>
+      </p:pic>
+      <p:pic>
+        <p:nvPicPr>
+          <p:cNvPr id="6" name="Картина 5"/>
+          <p:cNvPicPr>
+            <a:picLocks noChangeAspect="1"/>
+          </p:cNvPicPr>
+          <p:nvPr/>
+        </p:nvPicPr>
+        <p:blipFill>
+          <a:blip r:embed="rId5"/>
+          <a:stretch>
+            <a:fillRect/>
+          </a:stretch>
+        </p:blipFill>
+        <p:spPr>
+          <a:xfrm>
+            <a:off x="3587276" y="3596973"/>
+            <a:ext cx="2334724" cy="2167254"/>
+          </a:xfrm>
+          <a:prstGeom prst="rect">
+            <a:avLst/>
+          </a:prstGeom>
+        </p:spPr>
+      </p:pic>
+      <p:pic>
+        <p:nvPicPr>
+          <p:cNvPr id="8" name="Картина 7"/>
+          <p:cNvPicPr>
+            <a:picLocks noChangeAspect="1"/>
+          </p:cNvPicPr>
+          <p:nvPr/>
+        </p:nvPicPr>
+        <p:blipFill>
+          <a:blip r:embed="rId6"/>
+          <a:stretch>
+            <a:fillRect/>
+          </a:stretch>
+        </p:blipFill>
+        <p:spPr>
+          <a:xfrm>
+            <a:off x="816140" y="1284717"/>
+            <a:ext cx="3626419" cy="2266511"/>
+          </a:xfrm>
+          <a:prstGeom prst="rect">
+            <a:avLst/>
+          </a:prstGeom>
+        </p:spPr>
+      </p:pic>
+      <p:pic>
+        <p:nvPicPr>
+          <p:cNvPr id="9" name="Картина 8"/>
+          <p:cNvPicPr>
+            <a:picLocks noChangeAspect="1"/>
+          </p:cNvPicPr>
+          <p:nvPr/>
+        </p:nvPicPr>
+        <p:blipFill>
+          <a:blip r:embed="rId7"/>
+          <a:stretch>
+            <a:fillRect/>
+          </a:stretch>
+        </p:blipFill>
+        <p:spPr>
+          <a:xfrm>
+            <a:off x="8856366" y="1154960"/>
+            <a:ext cx="2313536" cy="2313536"/>
+          </a:xfrm>
+          <a:prstGeom prst="rect">
+            <a:avLst/>
+          </a:prstGeom>
+        </p:spPr>
+      </p:pic>
+    </p:spTree>
+    <p:extLst>
+      <p:ext uri="{BB962C8B-B14F-4D97-AF65-F5344CB8AC3E}">
+        <p14:creationId xmlns:p14="http://schemas.microsoft.com/office/powerpoint/2010/main" val="4214638209"/>
+      </p:ext>
+    </p:extLst>
+  </p:cSld>
+  <p:clrMapOvr>
+    <a:masterClrMapping/>
+  </p:clrMapOvr>
+</p:sld>
+</file>
+
+<file path=ppt/slides/slide6.xml><?xml version="1.0" encoding="utf-8"?>
+<p:sld xmlns:a="http://schemas.openxmlformats.org/drawingml/2006/main" xmlns:r="http://schemas.openxmlformats.org/officeDocument/2006/relationships" xmlns:p="http://schemas.openxmlformats.org/presentationml/2006/main">
+  <p:cSld>
+    <p:spTree>
+      <p:nvGrpSpPr>
+        <p:cNvPr id="1" name=""/>
+        <p:cNvGrpSpPr/>
+        <p:nvPr/>
+      </p:nvGrpSpPr>
+      <p:grpSpPr>
+        <a:xfrm>
+          <a:off x="0" y="0"/>
+          <a:ext cx="0" cy="0"/>
+          <a:chOff x="0" y="0"/>
+          <a:chExt cx="0" cy="0"/>
+        </a:xfrm>
+      </p:grpSpPr>
+      <p:sp>
+        <p:nvSpPr>
           <p:cNvPr id="2" name="Title 1">
             <a:extLst>
               <a:ext uri="{FF2B5EF4-FFF2-40B4-BE49-F238E27FC236}">
@@ -7109,51 +8030,24 @@
             <p:ph type="title"/>
           </p:nvPr>
         </p:nvSpPr>
-        <p:spPr/>
-        <p:txBody>
-          <a:bodyPr/>
-          <a:lstStyle/>
-          <a:p>
-            <a:endParaRPr lang="en-AU"/>
-          </a:p>
-        </p:txBody>
-      </p:sp>
-      <p:sp>
-        <p:nvSpPr>
-          <p:cNvPr id="3" name="Content Placeholder 2">
-            <a:extLst>
-              <a:ext uri="{FF2B5EF4-FFF2-40B4-BE49-F238E27FC236}">
-                <a16:creationId xmlns:a16="http://schemas.microsoft.com/office/drawing/2014/main" id="{9EDD2593-8D51-5B0B-6C01-8FC3BB1DFBAE}"/>
-              </a:ext>
-            </a:extLst>
-          </p:cNvPr>
-          <p:cNvSpPr>
-            <a:spLocks noGrp="1"/>
-          </p:cNvSpPr>
-          <p:nvPr>
-            <p:ph idx="1"/>
-          </p:nvPr>
-        </p:nvSpPr>
-        <p:spPr>
-          <a:xfrm>
-            <a:off x="452487" y="1875934"/>
-            <a:ext cx="13376634" cy="4675695"/>
+        <p:spPr>
+          <a:xfrm>
+            <a:off x="576443" y="2423604"/>
+            <a:ext cx="10804729" cy="2210364"/>
           </a:xfrm>
         </p:spPr>
         <p:txBody>
           <a:bodyPr>
-            <a:normAutofit/>
+            <a:noAutofit/>
           </a:bodyPr>
           <a:lstStyle/>
           <a:p>
-            <a:pPr marL="36900" indent="0">
-              <a:buNone/>
-            </a:pPr>
-            <a:r>
-              <a:rPr lang="bg-BG" sz="6600" dirty="0"/>
-              <a:t>Нека преминем към проекта</a:t>
-            </a:r>
-            <a:endParaRPr lang="en-AU" sz="6600" dirty="0"/>
+            <a:r>
+              <a:rPr lang="en-AU" sz="7200" dirty="0">
+                <a:latin typeface="Arial Black" panose="020B0A04020102020204" pitchFamily="34" charset="0"/>
+              </a:rPr>
+              <a:t>LET’S CONTINUE WITH THE GAME!</a:t>
+            </a:r>
           </a:p>
         </p:txBody>
       </p:sp>
@@ -7410,4 +8304,265 @@
     </a:ext>
   </a:extLst>
 </a:theme>
+</file>
+
+<file path=ppt/theme/theme2.xml><?xml version="1.0" encoding="utf-8"?>
+<a:theme xmlns:a="http://schemas.openxmlformats.org/drawingml/2006/main" name="Тема на Office">
+  <a:themeElements>
+    <a:clrScheme name="Оffice">
+      <a:dk1>
+        <a:sysClr val="windowText" lastClr="000000"/>
+      </a:dk1>
+      <a:lt1>
+        <a:sysClr val="window" lastClr="FFFFFF"/>
+      </a:lt1>
+      <a:dk2>
+        <a:srgbClr val="44546A"/>
+      </a:dk2>
+      <a:lt2>
+        <a:srgbClr val="E7E6E6"/>
+      </a:lt2>
+      <a:accent1>
+        <a:srgbClr val="5B9BD5"/>
+      </a:accent1>
+      <a:accent2>
+        <a:srgbClr val="ED7D31"/>
+      </a:accent2>
+      <a:accent3>
+        <a:srgbClr val="A5A5A5"/>
+      </a:accent3>
+      <a:accent4>
+        <a:srgbClr val="FFC000"/>
+      </a:accent4>
+      <a:accent5>
+        <a:srgbClr val="4472C4"/>
+      </a:accent5>
+      <a:accent6>
+        <a:srgbClr val="70AD47"/>
+      </a:accent6>
+      <a:hlink>
+        <a:srgbClr val="0563C1"/>
+      </a:hlink>
+      <a:folHlink>
+        <a:srgbClr val="954F72"/>
+      </a:folHlink>
+    </a:clrScheme>
+    <a:fontScheme name="Оffice">
+      <a:majorFont>
+        <a:latin typeface="Calibri Light" panose="020F0302020204030204"/>
+        <a:ea typeface=""/>
+        <a:cs typeface=""/>
+        <a:font script="Jpan" typeface="游ゴシック Light"/>
+        <a:font script="Hang" typeface="맑은 고딕"/>
+        <a:font script="Hans" typeface="等线 Light"/>
+        <a:font script="Hant" typeface="新細明體"/>
+        <a:font script="Arab" typeface="Times New Roman"/>
+        <a:font script="Hebr" typeface="Times New Roman"/>
+        <a:font script="Thai" typeface="Angsana New"/>
+        <a:font script="Ethi" typeface="Nyala"/>
+        <a:font script="Beng" typeface="Vrinda"/>
+        <a:font script="Gujr" typeface="Shruti"/>
+        <a:font script="Khmr" typeface="MoolBoran"/>
+        <a:font script="Knda" typeface="Tunga"/>
+        <a:font script="Guru" typeface="Raavi"/>
+        <a:font script="Cans" typeface="Euphemia"/>
+        <a:font script="Cher" typeface="Plantagenet Cherokee"/>
+        <a:font script="Yiii" typeface="Microsoft Yi Baiti"/>
+        <a:font script="Tibt" typeface="Microsoft Himalaya"/>
+        <a:font script="Thaa" typeface="MV Boli"/>
+        <a:font script="Deva" typeface="Mangal"/>
+        <a:font script="Telu" typeface="Gautami"/>
+        <a:font script="Taml" typeface="Latha"/>
+        <a:font script="Syrc" typeface="Estrangelo Edessa"/>
+        <a:font script="Orya" typeface="Kalinga"/>
+        <a:font script="Mlym" typeface="Kartika"/>
+        <a:font script="Laoo" typeface="DokChampa"/>
+        <a:font script="Sinh" typeface="Iskoola Pota"/>
+        <a:font script="Mong" typeface="Mongolian Baiti"/>
+        <a:font script="Viet" typeface="Times New Roman"/>
+        <a:font script="Uigh" typeface="Microsoft Uighur"/>
+        <a:font script="Geor" typeface="Sylfaen"/>
+      </a:majorFont>
+      <a:minorFont>
+        <a:latin typeface="Calibri" panose="020F0502020204030204"/>
+        <a:ea typeface=""/>
+        <a:cs typeface=""/>
+        <a:font script="Jpan" typeface="游ゴシック"/>
+        <a:font script="Hang" typeface="맑은 고딕"/>
+        <a:font script="Hans" typeface="等线"/>
+        <a:font script="Hant" typeface="新細明體"/>
+        <a:font script="Arab" typeface="Arial"/>
+        <a:font script="Hebr" typeface="Arial"/>
+        <a:font script="Thai" typeface="Cordia New"/>
+        <a:font script="Ethi" typeface="Nyala"/>
+        <a:font script="Beng" typeface="Vrinda"/>
+        <a:font script="Gujr" typeface="Shruti"/>
+        <a:font script="Khmr" typeface="DaunPenh"/>
+        <a:font script="Knda" typeface="Tunga"/>
+        <a:font script="Guru" typeface="Raavi"/>
+        <a:font script="Cans" typeface="Euphemia"/>
+        <a:font script="Cher" typeface="Plantagenet Cherokee"/>
+        <a:font script="Yiii" typeface="Microsoft Yi Baiti"/>
+        <a:font script="Tibt" typeface="Microsoft Himalaya"/>
+        <a:font script="Thaa" typeface="MV Boli"/>
+        <a:font script="Deva" typeface="Mangal"/>
+        <a:font script="Telu" typeface="Gautami"/>
+        <a:font script="Taml" typeface="Latha"/>
+        <a:font script="Syrc" typeface="Estrangelo Edessa"/>
+        <a:font script="Orya" typeface="Kalinga"/>
+        <a:font script="Mlym" typeface="Kartika"/>
+        <a:font script="Laoo" typeface="DokChampa"/>
+        <a:font script="Sinh" typeface="Iskoola Pota"/>
+        <a:font script="Mong" typeface="Mongolian Baiti"/>
+        <a:font script="Viet" typeface="Arial"/>
+        <a:font script="Uigh" typeface="Microsoft Uighur"/>
+        <a:font script="Geor" typeface="Sylfaen"/>
+      </a:minorFont>
+    </a:fontScheme>
+    <a:fmtScheme name="Оffice">
+      <a:fillStyleLst>
+        <a:solidFill>
+          <a:schemeClr val="phClr"/>
+        </a:solidFill>
+        <a:gradFill rotWithShape="1">
+          <a:gsLst>
+            <a:gs pos="0">
+              <a:schemeClr val="phClr">
+                <a:lumMod val="110000"/>
+                <a:satMod val="105000"/>
+                <a:tint val="67000"/>
+              </a:schemeClr>
+            </a:gs>
+            <a:gs pos="50000">
+              <a:schemeClr val="phClr">
+                <a:lumMod val="105000"/>
+                <a:satMod val="103000"/>
+                <a:tint val="73000"/>
+              </a:schemeClr>
+            </a:gs>
+            <a:gs pos="100000">
+              <a:schemeClr val="phClr">
+                <a:lumMod val="105000"/>
+                <a:satMod val="109000"/>
+                <a:tint val="81000"/>
+              </a:schemeClr>
+            </a:gs>
+          </a:gsLst>
+          <a:lin ang="5400000" scaled="0"/>
+        </a:gradFill>
+        <a:gradFill rotWithShape="1">
+          <a:gsLst>
+            <a:gs pos="0">
+              <a:schemeClr val="phClr">
+                <a:satMod val="103000"/>
+                <a:lumMod val="102000"/>
+                <a:tint val="94000"/>
+              </a:schemeClr>
+            </a:gs>
+            <a:gs pos="50000">
+              <a:schemeClr val="phClr">
+                <a:satMod val="110000"/>
+                <a:lumMod val="100000"/>
+                <a:shade val="100000"/>
+              </a:schemeClr>
+            </a:gs>
+            <a:gs pos="100000">
+              <a:schemeClr val="phClr">
+                <a:lumMod val="99000"/>
+                <a:satMod val="120000"/>
+                <a:shade val="78000"/>
+              </a:schemeClr>
+            </a:gs>
+          </a:gsLst>
+          <a:lin ang="5400000" scaled="0"/>
+        </a:gradFill>
+      </a:fillStyleLst>
+      <a:lnStyleLst>
+        <a:ln w="6350" cap="flat" cmpd="sng" algn="ctr">
+          <a:solidFill>
+            <a:schemeClr val="phClr"/>
+          </a:solidFill>
+          <a:prstDash val="solid"/>
+          <a:miter lim="800000"/>
+        </a:ln>
+        <a:ln w="12700" cap="flat" cmpd="sng" algn="ctr">
+          <a:solidFill>
+            <a:schemeClr val="phClr"/>
+          </a:solidFill>
+          <a:prstDash val="solid"/>
+          <a:miter lim="800000"/>
+        </a:ln>
+        <a:ln w="19050" cap="flat" cmpd="sng" algn="ctr">
+          <a:solidFill>
+            <a:schemeClr val="phClr"/>
+          </a:solidFill>
+          <a:prstDash val="solid"/>
+          <a:miter lim="800000"/>
+        </a:ln>
+      </a:lnStyleLst>
+      <a:effectStyleLst>
+        <a:effectStyle>
+          <a:effectLst/>
+        </a:effectStyle>
+        <a:effectStyle>
+          <a:effectLst/>
+        </a:effectStyle>
+        <a:effectStyle>
+          <a:effectLst>
+            <a:outerShdw blurRad="57150" dist="19050" dir="5400000" algn="ctr" rotWithShape="0">
+              <a:srgbClr val="000000">
+                <a:alpha val="63000"/>
+              </a:srgbClr>
+            </a:outerShdw>
+          </a:effectLst>
+        </a:effectStyle>
+      </a:effectStyleLst>
+      <a:bgFillStyleLst>
+        <a:solidFill>
+          <a:schemeClr val="phClr"/>
+        </a:solidFill>
+        <a:solidFill>
+          <a:schemeClr val="phClr">
+            <a:tint val="95000"/>
+            <a:satMod val="170000"/>
+          </a:schemeClr>
+        </a:solidFill>
+        <a:gradFill rotWithShape="1">
+          <a:gsLst>
+            <a:gs pos="0">
+              <a:schemeClr val="phClr">
+                <a:tint val="93000"/>
+                <a:satMod val="150000"/>
+                <a:shade val="98000"/>
+                <a:lumMod val="102000"/>
+              </a:schemeClr>
+            </a:gs>
+            <a:gs pos="50000">
+              <a:schemeClr val="phClr">
+                <a:tint val="98000"/>
+                <a:satMod val="130000"/>
+                <a:shade val="90000"/>
+                <a:lumMod val="103000"/>
+              </a:schemeClr>
+            </a:gs>
+            <a:gs pos="100000">
+              <a:schemeClr val="phClr">
+                <a:shade val="63000"/>
+                <a:satMod val="120000"/>
+              </a:schemeClr>
+            </a:gs>
+          </a:gsLst>
+          <a:lin ang="5400000" scaled="0"/>
+        </a:gradFill>
+      </a:bgFillStyleLst>
+    </a:fmtScheme>
+  </a:themeElements>
+  <a:objectDefaults/>
+  <a:extraClrSchemeLst/>
+  <a:extLst>
+    <a:ext uri="{05A4C25C-085E-4340-85A3-A5531E510DB2}">
+      <thm15:themeFamily xmlns:thm15="http://schemas.microsoft.com/office/thememl/2012/main" name="Office Theme" id="{62F939B6-93AF-4DB8-9C6B-D6C7DFDC589F}" vid="{4A3C46E8-61CC-4603-A589-7422A47A8E4A}"/>
+    </a:ext>
+  </a:extLst>
+</a:theme>
 </file>